--- a/Python-Slides/Python-Strings-Session#4.pptx
+++ b/Python-Slides/Python-Strings-Session#4.pptx
@@ -11,6 +11,11 @@
     <p:sldId id="259" r:id="rId5"/>
     <p:sldId id="260" r:id="rId6"/>
     <p:sldId id="261" r:id="rId7"/>
+    <p:sldId id="262" r:id="rId8"/>
+    <p:sldId id="263" r:id="rId9"/>
+    <p:sldId id="264" r:id="rId10"/>
+    <p:sldId id="265" r:id="rId11"/>
+    <p:sldId id="266" r:id="rId12"/>
   </p:sldIdLst>
   <p:sldSz cx="12192000" cy="6858000"/>
   <p:notesSz cx="6858000" cy="9144000"/>
@@ -266,7 +271,7 @@
           <a:p>
             <a:fld id="{DB7F21D8-FB5B-4A99-B96E-C07A2728A134}" type="datetimeFigureOut">
               <a:rPr lang="en-IN" smtClean="0"/>
-              <a:t>17-11-2020</a:t>
+              <a:t>09-07-2021</a:t>
             </a:fld>
             <a:endParaRPr lang="en-IN"/>
           </a:p>
@@ -466,7 +471,7 @@
           <a:p>
             <a:fld id="{DB7F21D8-FB5B-4A99-B96E-C07A2728A134}" type="datetimeFigureOut">
               <a:rPr lang="en-IN" smtClean="0"/>
-              <a:t>17-11-2020</a:t>
+              <a:t>09-07-2021</a:t>
             </a:fld>
             <a:endParaRPr lang="en-IN"/>
           </a:p>
@@ -676,7 +681,7 @@
           <a:p>
             <a:fld id="{DB7F21D8-FB5B-4A99-B96E-C07A2728A134}" type="datetimeFigureOut">
               <a:rPr lang="en-IN" smtClean="0"/>
-              <a:t>17-11-2020</a:t>
+              <a:t>09-07-2021</a:t>
             </a:fld>
             <a:endParaRPr lang="en-IN"/>
           </a:p>
@@ -876,7 +881,7 @@
           <a:p>
             <a:fld id="{DB7F21D8-FB5B-4A99-B96E-C07A2728A134}" type="datetimeFigureOut">
               <a:rPr lang="en-IN" smtClean="0"/>
-              <a:t>17-11-2020</a:t>
+              <a:t>09-07-2021</a:t>
             </a:fld>
             <a:endParaRPr lang="en-IN"/>
           </a:p>
@@ -1152,7 +1157,7 @@
           <a:p>
             <a:fld id="{DB7F21D8-FB5B-4A99-B96E-C07A2728A134}" type="datetimeFigureOut">
               <a:rPr lang="en-IN" smtClean="0"/>
-              <a:t>17-11-2020</a:t>
+              <a:t>09-07-2021</a:t>
             </a:fld>
             <a:endParaRPr lang="en-IN"/>
           </a:p>
@@ -1420,7 +1425,7 @@
           <a:p>
             <a:fld id="{DB7F21D8-FB5B-4A99-B96E-C07A2728A134}" type="datetimeFigureOut">
               <a:rPr lang="en-IN" smtClean="0"/>
-              <a:t>17-11-2020</a:t>
+              <a:t>09-07-2021</a:t>
             </a:fld>
             <a:endParaRPr lang="en-IN"/>
           </a:p>
@@ -1835,7 +1840,7 @@
           <a:p>
             <a:fld id="{DB7F21D8-FB5B-4A99-B96E-C07A2728A134}" type="datetimeFigureOut">
               <a:rPr lang="en-IN" smtClean="0"/>
-              <a:t>17-11-2020</a:t>
+              <a:t>09-07-2021</a:t>
             </a:fld>
             <a:endParaRPr lang="en-IN"/>
           </a:p>
@@ -1977,7 +1982,7 @@
           <a:p>
             <a:fld id="{DB7F21D8-FB5B-4A99-B96E-C07A2728A134}" type="datetimeFigureOut">
               <a:rPr lang="en-IN" smtClean="0"/>
-              <a:t>17-11-2020</a:t>
+              <a:t>09-07-2021</a:t>
             </a:fld>
             <a:endParaRPr lang="en-IN"/>
           </a:p>
@@ -2090,7 +2095,7 @@
           <a:p>
             <a:fld id="{DB7F21D8-FB5B-4A99-B96E-C07A2728A134}" type="datetimeFigureOut">
               <a:rPr lang="en-IN" smtClean="0"/>
-              <a:t>17-11-2020</a:t>
+              <a:t>09-07-2021</a:t>
             </a:fld>
             <a:endParaRPr lang="en-IN"/>
           </a:p>
@@ -2403,7 +2408,7 @@
           <a:p>
             <a:fld id="{DB7F21D8-FB5B-4A99-B96E-C07A2728A134}" type="datetimeFigureOut">
               <a:rPr lang="en-IN" smtClean="0"/>
-              <a:t>17-11-2020</a:t>
+              <a:t>09-07-2021</a:t>
             </a:fld>
             <a:endParaRPr lang="en-IN"/>
           </a:p>
@@ -2692,7 +2697,7 @@
           <a:p>
             <a:fld id="{DB7F21D8-FB5B-4A99-B96E-C07A2728A134}" type="datetimeFigureOut">
               <a:rPr lang="en-IN" smtClean="0"/>
-              <a:t>17-11-2020</a:t>
+              <a:t>09-07-2021</a:t>
             </a:fld>
             <a:endParaRPr lang="en-IN"/>
           </a:p>
@@ -2935,7 +2940,7 @@
           <a:p>
             <a:fld id="{DB7F21D8-FB5B-4A99-B96E-C07A2728A134}" type="datetimeFigureOut">
               <a:rPr lang="en-IN" smtClean="0"/>
-              <a:t>17-11-2020</a:t>
+              <a:t>09-07-2021</a:t>
             </a:fld>
             <a:endParaRPr lang="en-IN"/>
           </a:p>
@@ -3403,8 +3408,8 @@
         </p:nvSpPr>
         <p:spPr>
           <a:xfrm>
-            <a:off x="2429522" y="1754448"/>
-            <a:ext cx="7332955" cy="665825"/>
+            <a:off x="1207362" y="1443730"/>
+            <a:ext cx="8803689" cy="722422"/>
           </a:xfrm>
           <a:prstGeom prst="roundRect">
             <a:avLst/>
@@ -3430,10 +3435,10 @@
           <a:p>
             <a:pPr algn="ctr"/>
             <a:r>
-              <a:rPr lang="en-US" dirty="0"/>
-              <a:t>Strings are sequence of characters enclosed within single quotes(‘ ‘), double quotes(“ “) or triple quotes(“””)</a:t>
-            </a:r>
-            <a:endParaRPr lang="en-IN" dirty="0"/>
+              <a:rPr lang="en-US" b="1" dirty="0"/>
+              <a:t>Strings are sequence of characters enclosed within single quotes(‘ ‘), double quotes(“ “) or triple quotes(“””). Strings are immutable in python.</a:t>
+            </a:r>
+            <a:endParaRPr lang="en-IN" b="1" dirty="0"/>
           </a:p>
         </p:txBody>
       </p:sp>
@@ -3585,6 +3590,1244 @@
     <p:extLst>
       <p:ext uri="{BB962C8B-B14F-4D97-AF65-F5344CB8AC3E}">
         <p14:creationId xmlns:p14="http://schemas.microsoft.com/office/powerpoint/2010/main" val="667384885"/>
+      </p:ext>
+    </p:extLst>
+  </p:cSld>
+  <p:clrMapOvr>
+    <a:masterClrMapping/>
+  </p:clrMapOvr>
+</p:sld>
+</file>
+
+<file path=ppt/slides/slide10.xml><?xml version="1.0" encoding="utf-8"?>
+<p:sld xmlns:a="http://schemas.openxmlformats.org/drawingml/2006/main" xmlns:r="http://schemas.openxmlformats.org/officeDocument/2006/relationships" xmlns:p="http://schemas.openxmlformats.org/presentationml/2006/main">
+  <p:cSld>
+    <p:spTree>
+      <p:nvGrpSpPr>
+        <p:cNvPr id="1" name=""/>
+        <p:cNvGrpSpPr/>
+        <p:nvPr/>
+      </p:nvGrpSpPr>
+      <p:grpSpPr>
+        <a:xfrm>
+          <a:off x="0" y="0"/>
+          <a:ext cx="0" cy="0"/>
+          <a:chOff x="0" y="0"/>
+          <a:chExt cx="0" cy="0"/>
+        </a:xfrm>
+      </p:grpSpPr>
+      <p:sp>
+        <p:nvSpPr>
+          <p:cNvPr id="6" name="Rectangle 3">
+            <a:extLst>
+              <a:ext uri="{FF2B5EF4-FFF2-40B4-BE49-F238E27FC236}">
+                <a16:creationId xmlns:a16="http://schemas.microsoft.com/office/drawing/2014/main" id="{84654395-0A8A-40CE-B38A-28F76FEE32D7}"/>
+              </a:ext>
+            </a:extLst>
+          </p:cNvPr>
+          <p:cNvSpPr>
+            <a:spLocks noChangeArrowheads="1"/>
+          </p:cNvSpPr>
+          <p:nvPr/>
+        </p:nvSpPr>
+        <p:spPr bwMode="auto">
+          <a:xfrm>
+            <a:off x="967666" y="1583852"/>
+            <a:ext cx="9721048" cy="4154984"/>
+          </a:xfrm>
+          <a:prstGeom prst="rect">
+            <a:avLst/>
+          </a:prstGeom>
+          <a:noFill/>
+          <a:ln>
+            <a:noFill/>
+          </a:ln>
+          <a:effectLst/>
+          <a:extLst>
+            <a:ext uri="{909E8E84-426E-40DD-AFC4-6F175D3DCCD1}">
+              <a14:hiddenFill xmlns:a14="http://schemas.microsoft.com/office/drawing/2010/main">
+                <a:solidFill>
+                  <a:schemeClr val="accent1"/>
+                </a:solidFill>
+              </a14:hiddenFill>
+            </a:ext>
+            <a:ext uri="{91240B29-F687-4F45-9708-019B960494DF}">
+              <a14:hiddenLine xmlns:a14="http://schemas.microsoft.com/office/drawing/2010/main" w="9525">
+                <a:solidFill>
+                  <a:schemeClr val="tx1"/>
+                </a:solidFill>
+                <a:miter lim="800000"/>
+                <a:headEnd/>
+                <a:tailEnd/>
+              </a14:hiddenLine>
+            </a:ext>
+            <a:ext uri="{AF507438-7753-43E0-B8FC-AC1667EBCBE1}">
+              <a14:hiddenEffects xmlns:a14="http://schemas.microsoft.com/office/drawing/2010/main">
+                <a:effectLst>
+                  <a:outerShdw dist="35921" dir="2700000" algn="ctr" rotWithShape="0">
+                    <a:schemeClr val="bg2"/>
+                  </a:outerShdw>
+                </a:effectLst>
+              </a14:hiddenEffects>
+            </a:ext>
+          </a:extLst>
+        </p:spPr>
+        <p:txBody>
+          <a:bodyPr vert="horz" wrap="square" lIns="0" tIns="0" rIns="0" bIns="0" numCol="1" anchor="ctr" anchorCtr="0" compatLnSpc="1">
+            <a:prstTxWarp prst="textNoShape">
+              <a:avLst/>
+            </a:prstTxWarp>
+            <a:spAutoFit/>
+          </a:bodyPr>
+          <a:lstStyle/>
+          <a:p>
+            <a:pPr marL="0" marR="0" lvl="0" indent="0" algn="l" defTabSz="914400" rtl="0" eaLnBrk="0" fontAlgn="base" latinLnBrk="0" hangingPunct="0">
+              <a:lnSpc>
+                <a:spcPct val="100000"/>
+              </a:lnSpc>
+              <a:spcBef>
+                <a:spcPct val="0"/>
+              </a:spcBef>
+              <a:spcAft>
+                <a:spcPct val="0"/>
+              </a:spcAft>
+              <a:buClrTx/>
+              <a:buSzTx/>
+              <a:buFontTx/>
+              <a:buNone/>
+              <a:tabLst/>
+            </a:pPr>
+            <a:r>
+              <a:rPr kumimoji="0" lang="en-US" altLang="en-US" b="0" i="0" u="none" strike="noStrike" cap="none" normalizeH="0" baseline="0" dirty="0">
+                <a:ln>
+                  <a:noFill/>
+                </a:ln>
+                <a:solidFill>
+                  <a:srgbClr val="888888"/>
+                </a:solidFill>
+                <a:effectLst/>
+                <a:latin typeface="Courier New" panose="02070309020205020404" pitchFamily="49" charset="0"/>
+              </a:rPr>
+              <a:t># When To Use __</a:t>
+            </a:r>
+            <a:r>
+              <a:rPr kumimoji="0" lang="en-US" altLang="en-US" b="0" i="0" u="none" strike="noStrike" cap="none" normalizeH="0" baseline="0" dirty="0" err="1">
+                <a:ln>
+                  <a:noFill/>
+                </a:ln>
+                <a:solidFill>
+                  <a:srgbClr val="888888"/>
+                </a:solidFill>
+                <a:effectLst/>
+                <a:latin typeface="Courier New" panose="02070309020205020404" pitchFamily="49" charset="0"/>
+              </a:rPr>
+              <a:t>repr</a:t>
+            </a:r>
+            <a:r>
+              <a:rPr kumimoji="0" lang="en-US" altLang="en-US" b="0" i="0" u="none" strike="noStrike" cap="none" normalizeH="0" baseline="0" dirty="0">
+                <a:ln>
+                  <a:noFill/>
+                </a:ln>
+                <a:solidFill>
+                  <a:srgbClr val="888888"/>
+                </a:solidFill>
+                <a:effectLst/>
+                <a:latin typeface="Courier New" panose="02070309020205020404" pitchFamily="49" charset="0"/>
+              </a:rPr>
+              <a:t>__ vs __str__?</a:t>
+            </a:r>
+            <a:r>
+              <a:rPr kumimoji="0" lang="en-US" altLang="en-US" b="0" i="0" u="none" strike="noStrike" cap="none" normalizeH="0" baseline="0" dirty="0">
+                <a:ln>
+                  <a:noFill/>
+                </a:ln>
+                <a:solidFill>
+                  <a:srgbClr val="222222"/>
+                </a:solidFill>
+                <a:effectLst/>
+                <a:latin typeface="Courier New" panose="02070309020205020404" pitchFamily="49" charset="0"/>
+              </a:rPr>
+              <a:t> </a:t>
+            </a:r>
+            <a:r>
+              <a:rPr kumimoji="0" lang="en-US" altLang="en-US" b="0" i="0" u="none" strike="noStrike" cap="none" normalizeH="0" baseline="0" dirty="0">
+                <a:ln>
+                  <a:noFill/>
+                </a:ln>
+                <a:solidFill>
+                  <a:srgbClr val="888888"/>
+                </a:solidFill>
+                <a:effectLst/>
+                <a:latin typeface="Courier New" panose="02070309020205020404" pitchFamily="49" charset="0"/>
+              </a:rPr>
+              <a:t># Emulate what the std lib does:</a:t>
+            </a:r>
+            <a:r>
+              <a:rPr kumimoji="0" lang="en-US" altLang="en-US" b="0" i="0" u="none" strike="noStrike" cap="none" normalizeH="0" baseline="0" dirty="0">
+                <a:ln>
+                  <a:noFill/>
+                </a:ln>
+                <a:solidFill>
+                  <a:srgbClr val="222222"/>
+                </a:solidFill>
+                <a:effectLst/>
+                <a:latin typeface="Courier New" panose="02070309020205020404" pitchFamily="49" charset="0"/>
+              </a:rPr>
+              <a:t> </a:t>
+            </a:r>
+          </a:p>
+          <a:p>
+            <a:pPr marL="0" marR="0" lvl="0" indent="0" algn="l" defTabSz="914400" rtl="0" eaLnBrk="0" fontAlgn="base" latinLnBrk="0" hangingPunct="0">
+              <a:lnSpc>
+                <a:spcPct val="100000"/>
+              </a:lnSpc>
+              <a:spcBef>
+                <a:spcPct val="0"/>
+              </a:spcBef>
+              <a:spcAft>
+                <a:spcPct val="0"/>
+              </a:spcAft>
+              <a:buClrTx/>
+              <a:buSzTx/>
+              <a:buFontTx/>
+              <a:buNone/>
+              <a:tabLst/>
+            </a:pPr>
+            <a:r>
+              <a:rPr kumimoji="0" lang="en-US" altLang="en-US" b="1" i="0" u="none" strike="noStrike" cap="none" normalizeH="0" baseline="0" dirty="0">
+                <a:ln>
+                  <a:noFill/>
+                </a:ln>
+                <a:solidFill>
+                  <a:srgbClr val="C65D09"/>
+                </a:solidFill>
+                <a:effectLst/>
+                <a:latin typeface="Courier New" panose="02070309020205020404" pitchFamily="49" charset="0"/>
+              </a:rPr>
+              <a:t>&gt;&gt;&gt; </a:t>
+            </a:r>
+            <a:r>
+              <a:rPr kumimoji="0" lang="en-US" altLang="en-US" b="1" i="0" u="none" strike="noStrike" cap="none" normalizeH="0" baseline="0" dirty="0">
+                <a:ln>
+                  <a:noFill/>
+                </a:ln>
+                <a:solidFill>
+                  <a:srgbClr val="008800"/>
+                </a:solidFill>
+                <a:effectLst/>
+                <a:latin typeface="Courier New" panose="02070309020205020404" pitchFamily="49" charset="0"/>
+              </a:rPr>
+              <a:t>import</a:t>
+            </a:r>
+            <a:r>
+              <a:rPr kumimoji="0" lang="en-US" altLang="en-US" b="0" i="0" u="none" strike="noStrike" cap="none" normalizeH="0" baseline="0" dirty="0">
+                <a:ln>
+                  <a:noFill/>
+                </a:ln>
+                <a:solidFill>
+                  <a:srgbClr val="222222"/>
+                </a:solidFill>
+                <a:effectLst/>
+                <a:latin typeface="Courier New" panose="02070309020205020404" pitchFamily="49" charset="0"/>
+              </a:rPr>
+              <a:t> </a:t>
+            </a:r>
+            <a:r>
+              <a:rPr kumimoji="0" lang="en-US" altLang="en-US" b="1" i="0" u="none" strike="noStrike" cap="none" normalizeH="0" baseline="0" dirty="0">
+                <a:ln>
+                  <a:noFill/>
+                </a:ln>
+                <a:solidFill>
+                  <a:srgbClr val="0E84B5"/>
+                </a:solidFill>
+                <a:effectLst/>
+                <a:latin typeface="Courier New" panose="02070309020205020404" pitchFamily="49" charset="0"/>
+              </a:rPr>
+              <a:t>datetime</a:t>
+            </a:r>
+            <a:r>
+              <a:rPr kumimoji="0" lang="en-US" altLang="en-US" b="0" i="0" u="none" strike="noStrike" cap="none" normalizeH="0" baseline="0" dirty="0">
+                <a:ln>
+                  <a:noFill/>
+                </a:ln>
+                <a:solidFill>
+                  <a:srgbClr val="222222"/>
+                </a:solidFill>
+                <a:effectLst/>
+                <a:latin typeface="Courier New" panose="02070309020205020404" pitchFamily="49" charset="0"/>
+              </a:rPr>
+              <a:t> </a:t>
+            </a:r>
+          </a:p>
+          <a:p>
+            <a:pPr marL="0" marR="0" lvl="0" indent="0" algn="l" defTabSz="914400" rtl="0" eaLnBrk="0" fontAlgn="base" latinLnBrk="0" hangingPunct="0">
+              <a:lnSpc>
+                <a:spcPct val="100000"/>
+              </a:lnSpc>
+              <a:spcBef>
+                <a:spcPct val="0"/>
+              </a:spcBef>
+              <a:spcAft>
+                <a:spcPct val="0"/>
+              </a:spcAft>
+              <a:buClrTx/>
+              <a:buSzTx/>
+              <a:buFontTx/>
+              <a:buNone/>
+              <a:tabLst/>
+            </a:pPr>
+            <a:r>
+              <a:rPr kumimoji="0" lang="en-US" altLang="en-US" b="1" i="0" u="none" strike="noStrike" cap="none" normalizeH="0" baseline="0" dirty="0">
+                <a:ln>
+                  <a:noFill/>
+                </a:ln>
+                <a:solidFill>
+                  <a:srgbClr val="C65D09"/>
+                </a:solidFill>
+                <a:effectLst/>
+                <a:latin typeface="Courier New" panose="02070309020205020404" pitchFamily="49" charset="0"/>
+              </a:rPr>
+              <a:t>&gt;&gt;&gt; </a:t>
+            </a:r>
+            <a:r>
+              <a:rPr kumimoji="0" lang="en-US" altLang="en-US" b="0" i="0" u="none" strike="noStrike" cap="none" normalizeH="0" baseline="0" dirty="0">
+                <a:ln>
+                  <a:noFill/>
+                </a:ln>
+                <a:solidFill>
+                  <a:srgbClr val="222222"/>
+                </a:solidFill>
+                <a:effectLst/>
+                <a:latin typeface="Courier New" panose="02070309020205020404" pitchFamily="49" charset="0"/>
+              </a:rPr>
+              <a:t>today </a:t>
+            </a:r>
+            <a:r>
+              <a:rPr kumimoji="0" lang="en-US" altLang="en-US" b="0" i="0" u="none" strike="noStrike" cap="none" normalizeH="0" baseline="0" dirty="0">
+                <a:ln>
+                  <a:noFill/>
+                </a:ln>
+                <a:solidFill>
+                  <a:srgbClr val="333333"/>
+                </a:solidFill>
+                <a:effectLst/>
+                <a:latin typeface="Courier New" panose="02070309020205020404" pitchFamily="49" charset="0"/>
+              </a:rPr>
+              <a:t>=</a:t>
+            </a:r>
+            <a:r>
+              <a:rPr kumimoji="0" lang="en-US" altLang="en-US" b="0" i="0" u="none" strike="noStrike" cap="none" normalizeH="0" baseline="0" dirty="0">
+                <a:ln>
+                  <a:noFill/>
+                </a:ln>
+                <a:solidFill>
+                  <a:srgbClr val="222222"/>
+                </a:solidFill>
+                <a:effectLst/>
+                <a:latin typeface="Courier New" panose="02070309020205020404" pitchFamily="49" charset="0"/>
+              </a:rPr>
+              <a:t> </a:t>
+            </a:r>
+            <a:r>
+              <a:rPr kumimoji="0" lang="en-US" altLang="en-US" b="0" i="0" u="none" strike="noStrike" cap="none" normalizeH="0" baseline="0" dirty="0" err="1">
+                <a:ln>
+                  <a:noFill/>
+                </a:ln>
+                <a:solidFill>
+                  <a:srgbClr val="222222"/>
+                </a:solidFill>
+                <a:effectLst/>
+                <a:latin typeface="Courier New" panose="02070309020205020404" pitchFamily="49" charset="0"/>
+              </a:rPr>
+              <a:t>datetime</a:t>
+            </a:r>
+            <a:r>
+              <a:rPr kumimoji="0" lang="en-US" altLang="en-US" b="0" i="0" u="none" strike="noStrike" cap="none" normalizeH="0" baseline="0" dirty="0" err="1">
+                <a:ln>
+                  <a:noFill/>
+                </a:ln>
+                <a:solidFill>
+                  <a:srgbClr val="333333"/>
+                </a:solidFill>
+                <a:effectLst/>
+                <a:latin typeface="Courier New" panose="02070309020205020404" pitchFamily="49" charset="0"/>
+              </a:rPr>
+              <a:t>.</a:t>
+            </a:r>
+            <a:r>
+              <a:rPr kumimoji="0" lang="en-US" altLang="en-US" b="0" i="0" u="none" strike="noStrike" cap="none" normalizeH="0" baseline="0" dirty="0" err="1">
+                <a:ln>
+                  <a:noFill/>
+                </a:ln>
+                <a:solidFill>
+                  <a:srgbClr val="222222"/>
+                </a:solidFill>
+                <a:effectLst/>
+                <a:latin typeface="Courier New" panose="02070309020205020404" pitchFamily="49" charset="0"/>
+              </a:rPr>
+              <a:t>date</a:t>
+            </a:r>
+            <a:r>
+              <a:rPr kumimoji="0" lang="en-US" altLang="en-US" b="0" i="0" u="none" strike="noStrike" cap="none" normalizeH="0" baseline="0" dirty="0" err="1">
+                <a:ln>
+                  <a:noFill/>
+                </a:ln>
+                <a:solidFill>
+                  <a:srgbClr val="333333"/>
+                </a:solidFill>
+                <a:effectLst/>
+                <a:latin typeface="Courier New" panose="02070309020205020404" pitchFamily="49" charset="0"/>
+              </a:rPr>
+              <a:t>.</a:t>
+            </a:r>
+            <a:r>
+              <a:rPr kumimoji="0" lang="en-US" altLang="en-US" b="0" i="0" u="none" strike="noStrike" cap="none" normalizeH="0" baseline="0" dirty="0" err="1">
+                <a:ln>
+                  <a:noFill/>
+                </a:ln>
+                <a:solidFill>
+                  <a:srgbClr val="222222"/>
+                </a:solidFill>
+                <a:effectLst/>
+                <a:latin typeface="Courier New" panose="02070309020205020404" pitchFamily="49" charset="0"/>
+              </a:rPr>
+              <a:t>today</a:t>
+            </a:r>
+            <a:r>
+              <a:rPr kumimoji="0" lang="en-US" altLang="en-US" b="0" i="0" u="none" strike="noStrike" cap="none" normalizeH="0" baseline="0" dirty="0">
+                <a:ln>
+                  <a:noFill/>
+                </a:ln>
+                <a:solidFill>
+                  <a:srgbClr val="222222"/>
+                </a:solidFill>
+                <a:effectLst/>
+                <a:latin typeface="Courier New" panose="02070309020205020404" pitchFamily="49" charset="0"/>
+              </a:rPr>
+              <a:t>() </a:t>
+            </a:r>
+          </a:p>
+          <a:p>
+            <a:pPr marL="0" marR="0" lvl="0" indent="0" algn="l" defTabSz="914400" rtl="0" eaLnBrk="0" fontAlgn="base" latinLnBrk="0" hangingPunct="0">
+              <a:lnSpc>
+                <a:spcPct val="100000"/>
+              </a:lnSpc>
+              <a:spcBef>
+                <a:spcPct val="0"/>
+              </a:spcBef>
+              <a:spcAft>
+                <a:spcPct val="0"/>
+              </a:spcAft>
+              <a:buClrTx/>
+              <a:buSzTx/>
+              <a:buFontTx/>
+              <a:buNone/>
+              <a:tabLst/>
+            </a:pPr>
+            <a:endParaRPr kumimoji="0" lang="en-US" altLang="en-US" b="0" i="0" u="none" strike="noStrike" cap="none" normalizeH="0" baseline="0" dirty="0">
+              <a:ln>
+                <a:noFill/>
+              </a:ln>
+              <a:solidFill>
+                <a:srgbClr val="222222"/>
+              </a:solidFill>
+              <a:effectLst/>
+              <a:latin typeface="Courier New" panose="02070309020205020404" pitchFamily="49" charset="0"/>
+            </a:endParaRPr>
+          </a:p>
+          <a:p>
+            <a:pPr marL="0" marR="0" lvl="0" indent="0" algn="l" defTabSz="914400" rtl="0" eaLnBrk="0" fontAlgn="base" latinLnBrk="0" hangingPunct="0">
+              <a:lnSpc>
+                <a:spcPct val="100000"/>
+              </a:lnSpc>
+              <a:spcBef>
+                <a:spcPct val="0"/>
+              </a:spcBef>
+              <a:spcAft>
+                <a:spcPct val="0"/>
+              </a:spcAft>
+              <a:buClrTx/>
+              <a:buSzTx/>
+              <a:buFontTx/>
+              <a:buNone/>
+              <a:tabLst/>
+            </a:pPr>
+            <a:r>
+              <a:rPr kumimoji="0" lang="en-US" altLang="en-US" b="0" i="0" u="none" strike="noStrike" cap="none" normalizeH="0" baseline="0" dirty="0">
+                <a:ln>
+                  <a:noFill/>
+                </a:ln>
+                <a:solidFill>
+                  <a:srgbClr val="888888"/>
+                </a:solidFill>
+                <a:effectLst/>
+                <a:latin typeface="Courier New" panose="02070309020205020404" pitchFamily="49" charset="0"/>
+              </a:rPr>
+              <a:t># Result of __str__ should be readable:</a:t>
+            </a:r>
+            <a:r>
+              <a:rPr kumimoji="0" lang="en-US" altLang="en-US" b="0" i="0" u="none" strike="noStrike" cap="none" normalizeH="0" baseline="0" dirty="0">
+                <a:ln>
+                  <a:noFill/>
+                </a:ln>
+                <a:solidFill>
+                  <a:srgbClr val="222222"/>
+                </a:solidFill>
+                <a:effectLst/>
+                <a:latin typeface="Courier New" panose="02070309020205020404" pitchFamily="49" charset="0"/>
+              </a:rPr>
+              <a:t> </a:t>
+            </a:r>
+          </a:p>
+          <a:p>
+            <a:pPr marL="0" marR="0" lvl="0" indent="0" algn="l" defTabSz="914400" rtl="0" eaLnBrk="0" fontAlgn="base" latinLnBrk="0" hangingPunct="0">
+              <a:lnSpc>
+                <a:spcPct val="100000"/>
+              </a:lnSpc>
+              <a:spcBef>
+                <a:spcPct val="0"/>
+              </a:spcBef>
+              <a:spcAft>
+                <a:spcPct val="0"/>
+              </a:spcAft>
+              <a:buClrTx/>
+              <a:buSzTx/>
+              <a:buFontTx/>
+              <a:buNone/>
+              <a:tabLst/>
+            </a:pPr>
+            <a:r>
+              <a:rPr kumimoji="0" lang="en-US" altLang="en-US" b="1" i="0" u="none" strike="noStrike" cap="none" normalizeH="0" baseline="0" dirty="0">
+                <a:ln>
+                  <a:noFill/>
+                </a:ln>
+                <a:solidFill>
+                  <a:srgbClr val="C65D09"/>
+                </a:solidFill>
+                <a:effectLst/>
+                <a:latin typeface="Courier New" panose="02070309020205020404" pitchFamily="49" charset="0"/>
+              </a:rPr>
+              <a:t>&gt;&gt;&gt; </a:t>
+            </a:r>
+            <a:r>
+              <a:rPr kumimoji="0" lang="en-US" altLang="en-US" b="0" i="0" u="none" strike="noStrike" cap="none" normalizeH="0" baseline="0" dirty="0">
+                <a:ln>
+                  <a:noFill/>
+                </a:ln>
+                <a:solidFill>
+                  <a:srgbClr val="007020"/>
+                </a:solidFill>
+                <a:effectLst/>
+                <a:latin typeface="Courier New" panose="02070309020205020404" pitchFamily="49" charset="0"/>
+              </a:rPr>
+              <a:t>str</a:t>
+            </a:r>
+            <a:r>
+              <a:rPr kumimoji="0" lang="en-US" altLang="en-US" b="0" i="0" u="none" strike="noStrike" cap="none" normalizeH="0" baseline="0" dirty="0">
+                <a:ln>
+                  <a:noFill/>
+                </a:ln>
+                <a:solidFill>
+                  <a:srgbClr val="222222"/>
+                </a:solidFill>
+                <a:effectLst/>
+                <a:latin typeface="Courier New" panose="02070309020205020404" pitchFamily="49" charset="0"/>
+              </a:rPr>
+              <a:t>(today) </a:t>
+            </a:r>
+          </a:p>
+          <a:p>
+            <a:pPr marL="0" marR="0" lvl="0" indent="0" algn="l" defTabSz="914400" rtl="0" eaLnBrk="0" fontAlgn="base" latinLnBrk="0" hangingPunct="0">
+              <a:lnSpc>
+                <a:spcPct val="100000"/>
+              </a:lnSpc>
+              <a:spcBef>
+                <a:spcPct val="0"/>
+              </a:spcBef>
+              <a:spcAft>
+                <a:spcPct val="0"/>
+              </a:spcAft>
+              <a:buClrTx/>
+              <a:buSzTx/>
+              <a:buFontTx/>
+              <a:buNone/>
+              <a:tabLst/>
+            </a:pPr>
+            <a:r>
+              <a:rPr kumimoji="0" lang="en-US" altLang="en-US" b="0" i="0" u="none" strike="noStrike" cap="none" normalizeH="0" baseline="0" dirty="0">
+                <a:ln>
+                  <a:noFill/>
+                </a:ln>
+                <a:solidFill>
+                  <a:srgbClr val="888888"/>
+                </a:solidFill>
+                <a:effectLst/>
+                <a:latin typeface="Courier New" panose="02070309020205020404" pitchFamily="49" charset="0"/>
+              </a:rPr>
+              <a:t>'2017-02-02’</a:t>
+            </a:r>
+            <a:r>
+              <a:rPr kumimoji="0" lang="en-US" altLang="en-US" b="0" i="0" u="none" strike="noStrike" cap="none" normalizeH="0" baseline="0" dirty="0">
+                <a:ln>
+                  <a:noFill/>
+                </a:ln>
+                <a:solidFill>
+                  <a:srgbClr val="222222"/>
+                </a:solidFill>
+                <a:effectLst/>
+                <a:latin typeface="Courier New" panose="02070309020205020404" pitchFamily="49" charset="0"/>
+              </a:rPr>
+              <a:t> </a:t>
+            </a:r>
+          </a:p>
+          <a:p>
+            <a:pPr marL="0" marR="0" lvl="0" indent="0" algn="l" defTabSz="914400" rtl="0" eaLnBrk="0" fontAlgn="base" latinLnBrk="0" hangingPunct="0">
+              <a:lnSpc>
+                <a:spcPct val="100000"/>
+              </a:lnSpc>
+              <a:spcBef>
+                <a:spcPct val="0"/>
+              </a:spcBef>
+              <a:spcAft>
+                <a:spcPct val="0"/>
+              </a:spcAft>
+              <a:buClrTx/>
+              <a:buSzTx/>
+              <a:buFontTx/>
+              <a:buNone/>
+              <a:tabLst/>
+            </a:pPr>
+            <a:endParaRPr kumimoji="0" lang="en-US" altLang="en-US" b="0" i="0" u="none" strike="noStrike" cap="none" normalizeH="0" baseline="0" dirty="0">
+              <a:ln>
+                <a:noFill/>
+              </a:ln>
+              <a:solidFill>
+                <a:srgbClr val="222222"/>
+              </a:solidFill>
+              <a:effectLst/>
+              <a:latin typeface="Courier New" panose="02070309020205020404" pitchFamily="49" charset="0"/>
+            </a:endParaRPr>
+          </a:p>
+          <a:p>
+            <a:pPr marL="0" marR="0" lvl="0" indent="0" algn="l" defTabSz="914400" rtl="0" eaLnBrk="0" fontAlgn="base" latinLnBrk="0" hangingPunct="0">
+              <a:lnSpc>
+                <a:spcPct val="100000"/>
+              </a:lnSpc>
+              <a:spcBef>
+                <a:spcPct val="0"/>
+              </a:spcBef>
+              <a:spcAft>
+                <a:spcPct val="0"/>
+              </a:spcAft>
+              <a:buClrTx/>
+              <a:buSzTx/>
+              <a:buFontTx/>
+              <a:buNone/>
+              <a:tabLst/>
+            </a:pPr>
+            <a:r>
+              <a:rPr kumimoji="0" lang="en-US" altLang="en-US" b="0" i="0" u="none" strike="noStrike" cap="none" normalizeH="0" baseline="0" dirty="0">
+                <a:ln>
+                  <a:noFill/>
+                </a:ln>
+                <a:solidFill>
+                  <a:srgbClr val="888888"/>
+                </a:solidFill>
+                <a:effectLst/>
+                <a:latin typeface="Courier New" panose="02070309020205020404" pitchFamily="49" charset="0"/>
+              </a:rPr>
+              <a:t># Result of __</a:t>
+            </a:r>
+            <a:r>
+              <a:rPr kumimoji="0" lang="en-US" altLang="en-US" b="0" i="0" u="none" strike="noStrike" cap="none" normalizeH="0" baseline="0" dirty="0" err="1">
+                <a:ln>
+                  <a:noFill/>
+                </a:ln>
+                <a:solidFill>
+                  <a:srgbClr val="888888"/>
+                </a:solidFill>
+                <a:effectLst/>
+                <a:latin typeface="Courier New" panose="02070309020205020404" pitchFamily="49" charset="0"/>
+              </a:rPr>
+              <a:t>repr</a:t>
+            </a:r>
+            <a:r>
+              <a:rPr kumimoji="0" lang="en-US" altLang="en-US" b="0" i="0" u="none" strike="noStrike" cap="none" normalizeH="0" baseline="0" dirty="0">
+                <a:ln>
+                  <a:noFill/>
+                </a:ln>
+                <a:solidFill>
+                  <a:srgbClr val="888888"/>
+                </a:solidFill>
+                <a:effectLst/>
+                <a:latin typeface="Courier New" panose="02070309020205020404" pitchFamily="49" charset="0"/>
+              </a:rPr>
+              <a:t>__ should be unambiguous:</a:t>
+            </a:r>
+            <a:r>
+              <a:rPr kumimoji="0" lang="en-US" altLang="en-US" b="0" i="0" u="none" strike="noStrike" cap="none" normalizeH="0" baseline="0" dirty="0">
+                <a:ln>
+                  <a:noFill/>
+                </a:ln>
+                <a:solidFill>
+                  <a:srgbClr val="222222"/>
+                </a:solidFill>
+                <a:effectLst/>
+                <a:latin typeface="Courier New" panose="02070309020205020404" pitchFamily="49" charset="0"/>
+              </a:rPr>
+              <a:t> </a:t>
+            </a:r>
+          </a:p>
+          <a:p>
+            <a:pPr marL="0" marR="0" lvl="0" indent="0" algn="l" defTabSz="914400" rtl="0" eaLnBrk="0" fontAlgn="base" latinLnBrk="0" hangingPunct="0">
+              <a:lnSpc>
+                <a:spcPct val="100000"/>
+              </a:lnSpc>
+              <a:spcBef>
+                <a:spcPct val="0"/>
+              </a:spcBef>
+              <a:spcAft>
+                <a:spcPct val="0"/>
+              </a:spcAft>
+              <a:buClrTx/>
+              <a:buSzTx/>
+              <a:buFontTx/>
+              <a:buNone/>
+              <a:tabLst/>
+            </a:pPr>
+            <a:r>
+              <a:rPr kumimoji="0" lang="en-US" altLang="en-US" b="1" i="0" u="none" strike="noStrike" cap="none" normalizeH="0" baseline="0" dirty="0">
+                <a:ln>
+                  <a:noFill/>
+                </a:ln>
+                <a:solidFill>
+                  <a:srgbClr val="C65D09"/>
+                </a:solidFill>
+                <a:effectLst/>
+                <a:latin typeface="Courier New" panose="02070309020205020404" pitchFamily="49" charset="0"/>
+              </a:rPr>
+              <a:t>&gt;&gt;&gt; </a:t>
+            </a:r>
+            <a:r>
+              <a:rPr kumimoji="0" lang="en-US" altLang="en-US" b="0" i="0" u="none" strike="noStrike" cap="none" normalizeH="0" baseline="0" dirty="0" err="1">
+                <a:ln>
+                  <a:noFill/>
+                </a:ln>
+                <a:solidFill>
+                  <a:srgbClr val="007020"/>
+                </a:solidFill>
+                <a:effectLst/>
+                <a:latin typeface="Courier New" panose="02070309020205020404" pitchFamily="49" charset="0"/>
+              </a:rPr>
+              <a:t>repr</a:t>
+            </a:r>
+            <a:r>
+              <a:rPr kumimoji="0" lang="en-US" altLang="en-US" b="0" i="0" u="none" strike="noStrike" cap="none" normalizeH="0" baseline="0" dirty="0">
+                <a:ln>
+                  <a:noFill/>
+                </a:ln>
+                <a:solidFill>
+                  <a:srgbClr val="222222"/>
+                </a:solidFill>
+                <a:effectLst/>
+                <a:latin typeface="Courier New" panose="02070309020205020404" pitchFamily="49" charset="0"/>
+              </a:rPr>
+              <a:t>(today) </a:t>
+            </a:r>
+          </a:p>
+          <a:p>
+            <a:pPr marL="0" marR="0" lvl="0" indent="0" algn="l" defTabSz="914400" rtl="0" eaLnBrk="0" fontAlgn="base" latinLnBrk="0" hangingPunct="0">
+              <a:lnSpc>
+                <a:spcPct val="100000"/>
+              </a:lnSpc>
+              <a:spcBef>
+                <a:spcPct val="0"/>
+              </a:spcBef>
+              <a:spcAft>
+                <a:spcPct val="0"/>
+              </a:spcAft>
+              <a:buClrTx/>
+              <a:buSzTx/>
+              <a:buFontTx/>
+              <a:buNone/>
+              <a:tabLst/>
+            </a:pPr>
+            <a:r>
+              <a:rPr kumimoji="0" lang="en-US" altLang="en-US" b="0" i="0" u="none" strike="noStrike" cap="none" normalizeH="0" baseline="0" dirty="0">
+                <a:ln>
+                  <a:noFill/>
+                </a:ln>
+                <a:solidFill>
+                  <a:srgbClr val="888888"/>
+                </a:solidFill>
+                <a:effectLst/>
+                <a:latin typeface="Courier New" panose="02070309020205020404" pitchFamily="49" charset="0"/>
+              </a:rPr>
+              <a:t>'</a:t>
+            </a:r>
+            <a:r>
+              <a:rPr kumimoji="0" lang="en-US" altLang="en-US" b="0" i="0" u="none" strike="noStrike" cap="none" normalizeH="0" baseline="0" dirty="0" err="1">
+                <a:ln>
+                  <a:noFill/>
+                </a:ln>
+                <a:solidFill>
+                  <a:srgbClr val="888888"/>
+                </a:solidFill>
+                <a:effectLst/>
+                <a:latin typeface="Courier New" panose="02070309020205020404" pitchFamily="49" charset="0"/>
+              </a:rPr>
+              <a:t>datetime.date</a:t>
+            </a:r>
+            <a:r>
+              <a:rPr kumimoji="0" lang="en-US" altLang="en-US" b="0" i="0" u="none" strike="noStrike" cap="none" normalizeH="0" baseline="0" dirty="0">
+                <a:ln>
+                  <a:noFill/>
+                </a:ln>
+                <a:solidFill>
+                  <a:srgbClr val="888888"/>
+                </a:solidFill>
+                <a:effectLst/>
+                <a:latin typeface="Courier New" panose="02070309020205020404" pitchFamily="49" charset="0"/>
+              </a:rPr>
+              <a:t>(2017, 2, 2)’</a:t>
+            </a:r>
+            <a:r>
+              <a:rPr kumimoji="0" lang="en-US" altLang="en-US" b="0" i="0" u="none" strike="noStrike" cap="none" normalizeH="0" baseline="0" dirty="0">
+                <a:ln>
+                  <a:noFill/>
+                </a:ln>
+                <a:solidFill>
+                  <a:srgbClr val="222222"/>
+                </a:solidFill>
+                <a:effectLst/>
+                <a:latin typeface="Courier New" panose="02070309020205020404" pitchFamily="49" charset="0"/>
+              </a:rPr>
+              <a:t> </a:t>
+            </a:r>
+          </a:p>
+          <a:p>
+            <a:pPr marL="0" marR="0" lvl="0" indent="0" algn="l" defTabSz="914400" rtl="0" eaLnBrk="0" fontAlgn="base" latinLnBrk="0" hangingPunct="0">
+              <a:lnSpc>
+                <a:spcPct val="100000"/>
+              </a:lnSpc>
+              <a:spcBef>
+                <a:spcPct val="0"/>
+              </a:spcBef>
+              <a:spcAft>
+                <a:spcPct val="0"/>
+              </a:spcAft>
+              <a:buClrTx/>
+              <a:buSzTx/>
+              <a:buFontTx/>
+              <a:buNone/>
+              <a:tabLst/>
+            </a:pPr>
+            <a:endParaRPr kumimoji="0" lang="en-US" altLang="en-US" b="0" i="0" u="none" strike="noStrike" cap="none" normalizeH="0" baseline="0" dirty="0">
+              <a:ln>
+                <a:noFill/>
+              </a:ln>
+              <a:solidFill>
+                <a:srgbClr val="222222"/>
+              </a:solidFill>
+              <a:effectLst/>
+              <a:latin typeface="Courier New" panose="02070309020205020404" pitchFamily="49" charset="0"/>
+            </a:endParaRPr>
+          </a:p>
+          <a:p>
+            <a:pPr marL="0" marR="0" lvl="0" indent="0" algn="l" defTabSz="914400" rtl="0" eaLnBrk="0" fontAlgn="base" latinLnBrk="0" hangingPunct="0">
+              <a:lnSpc>
+                <a:spcPct val="100000"/>
+              </a:lnSpc>
+              <a:spcBef>
+                <a:spcPct val="0"/>
+              </a:spcBef>
+              <a:spcAft>
+                <a:spcPct val="0"/>
+              </a:spcAft>
+              <a:buClrTx/>
+              <a:buSzTx/>
+              <a:buFontTx/>
+              <a:buNone/>
+              <a:tabLst/>
+            </a:pPr>
+            <a:r>
+              <a:rPr kumimoji="0" lang="en-US" altLang="en-US" b="0" i="0" u="none" strike="noStrike" cap="none" normalizeH="0" baseline="0" dirty="0">
+                <a:ln>
+                  <a:noFill/>
+                </a:ln>
+                <a:solidFill>
+                  <a:srgbClr val="888888"/>
+                </a:solidFill>
+                <a:effectLst/>
+                <a:latin typeface="Courier New" panose="02070309020205020404" pitchFamily="49" charset="0"/>
+              </a:rPr>
+              <a:t># Python interpreter sessions use # __</a:t>
+            </a:r>
+            <a:r>
+              <a:rPr kumimoji="0" lang="en-US" altLang="en-US" b="0" i="0" u="none" strike="noStrike" cap="none" normalizeH="0" baseline="0" dirty="0" err="1">
+                <a:ln>
+                  <a:noFill/>
+                </a:ln>
+                <a:solidFill>
+                  <a:srgbClr val="888888"/>
+                </a:solidFill>
+                <a:effectLst/>
+                <a:latin typeface="Courier New" panose="02070309020205020404" pitchFamily="49" charset="0"/>
+              </a:rPr>
+              <a:t>repr</a:t>
+            </a:r>
+            <a:r>
+              <a:rPr kumimoji="0" lang="en-US" altLang="en-US" b="0" i="0" u="none" strike="noStrike" cap="none" normalizeH="0" baseline="0" dirty="0">
+                <a:ln>
+                  <a:noFill/>
+                </a:ln>
+                <a:solidFill>
+                  <a:srgbClr val="888888"/>
+                </a:solidFill>
+                <a:effectLst/>
+                <a:latin typeface="Courier New" panose="02070309020205020404" pitchFamily="49" charset="0"/>
+              </a:rPr>
+              <a:t>__ to inspect objects:</a:t>
+            </a:r>
+            <a:r>
+              <a:rPr kumimoji="0" lang="en-US" altLang="en-US" b="0" i="0" u="none" strike="noStrike" cap="none" normalizeH="0" baseline="0" dirty="0">
+                <a:ln>
+                  <a:noFill/>
+                </a:ln>
+                <a:solidFill>
+                  <a:srgbClr val="222222"/>
+                </a:solidFill>
+                <a:effectLst/>
+                <a:latin typeface="Courier New" panose="02070309020205020404" pitchFamily="49" charset="0"/>
+              </a:rPr>
+              <a:t> </a:t>
+            </a:r>
+          </a:p>
+          <a:p>
+            <a:pPr marL="0" marR="0" lvl="0" indent="0" algn="l" defTabSz="914400" rtl="0" eaLnBrk="0" fontAlgn="base" latinLnBrk="0" hangingPunct="0">
+              <a:lnSpc>
+                <a:spcPct val="100000"/>
+              </a:lnSpc>
+              <a:spcBef>
+                <a:spcPct val="0"/>
+              </a:spcBef>
+              <a:spcAft>
+                <a:spcPct val="0"/>
+              </a:spcAft>
+              <a:buClrTx/>
+              <a:buSzTx/>
+              <a:buFontTx/>
+              <a:buNone/>
+              <a:tabLst/>
+            </a:pPr>
+            <a:r>
+              <a:rPr kumimoji="0" lang="en-US" altLang="en-US" b="1" i="0" u="none" strike="noStrike" cap="none" normalizeH="0" baseline="0" dirty="0">
+                <a:ln>
+                  <a:noFill/>
+                </a:ln>
+                <a:solidFill>
+                  <a:srgbClr val="C65D09"/>
+                </a:solidFill>
+                <a:effectLst/>
+                <a:latin typeface="Courier New" panose="02070309020205020404" pitchFamily="49" charset="0"/>
+              </a:rPr>
+              <a:t>&gt;&gt;&gt; </a:t>
+            </a:r>
+            <a:r>
+              <a:rPr kumimoji="0" lang="en-US" altLang="en-US" b="0" i="0" u="none" strike="noStrike" cap="none" normalizeH="0" baseline="0" dirty="0">
+                <a:ln>
+                  <a:noFill/>
+                </a:ln>
+                <a:solidFill>
+                  <a:srgbClr val="222222"/>
+                </a:solidFill>
+                <a:effectLst/>
+                <a:latin typeface="Courier New" panose="02070309020205020404" pitchFamily="49" charset="0"/>
+              </a:rPr>
+              <a:t>today </a:t>
+            </a:r>
+          </a:p>
+          <a:p>
+            <a:pPr marL="0" marR="0" lvl="0" indent="0" algn="l" defTabSz="914400" rtl="0" eaLnBrk="0" fontAlgn="base" latinLnBrk="0" hangingPunct="0">
+              <a:lnSpc>
+                <a:spcPct val="100000"/>
+              </a:lnSpc>
+              <a:spcBef>
+                <a:spcPct val="0"/>
+              </a:spcBef>
+              <a:spcAft>
+                <a:spcPct val="0"/>
+              </a:spcAft>
+              <a:buClrTx/>
+              <a:buSzTx/>
+              <a:buFontTx/>
+              <a:buNone/>
+              <a:tabLst/>
+            </a:pPr>
+            <a:r>
+              <a:rPr kumimoji="0" lang="en-US" altLang="en-US" b="0" i="0" u="none" strike="noStrike" cap="none" normalizeH="0" baseline="0" dirty="0" err="1">
+                <a:ln>
+                  <a:noFill/>
+                </a:ln>
+                <a:solidFill>
+                  <a:srgbClr val="888888"/>
+                </a:solidFill>
+                <a:effectLst/>
+                <a:latin typeface="Courier New" panose="02070309020205020404" pitchFamily="49" charset="0"/>
+              </a:rPr>
+              <a:t>datetime.date</a:t>
+            </a:r>
+            <a:r>
+              <a:rPr kumimoji="0" lang="en-US" altLang="en-US" b="0" i="0" u="none" strike="noStrike" cap="none" normalizeH="0" baseline="0" dirty="0">
+                <a:ln>
+                  <a:noFill/>
+                </a:ln>
+                <a:solidFill>
+                  <a:srgbClr val="888888"/>
+                </a:solidFill>
+                <a:effectLst/>
+                <a:latin typeface="Courier New" panose="02070309020205020404" pitchFamily="49" charset="0"/>
+              </a:rPr>
+              <a:t>(2017, 2, 2)</a:t>
+            </a:r>
+            <a:r>
+              <a:rPr kumimoji="0" lang="en-US" altLang="en-US" b="0" i="0" u="none" strike="noStrike" cap="none" normalizeH="0" baseline="0" dirty="0">
+                <a:ln>
+                  <a:noFill/>
+                </a:ln>
+                <a:solidFill>
+                  <a:schemeClr val="tx1"/>
+                </a:solidFill>
+                <a:effectLst/>
+              </a:rPr>
+              <a:t> </a:t>
+            </a:r>
+            <a:endParaRPr kumimoji="0" lang="en-US" altLang="en-US" b="0" i="0" u="none" strike="noStrike" cap="none" normalizeH="0" baseline="0" dirty="0">
+              <a:ln>
+                <a:noFill/>
+              </a:ln>
+              <a:solidFill>
+                <a:schemeClr val="tx1"/>
+              </a:solidFill>
+              <a:effectLst/>
+              <a:latin typeface="Arial" panose="020B0604020202020204" pitchFamily="34" charset="0"/>
+            </a:endParaRPr>
+          </a:p>
+        </p:txBody>
+      </p:sp>
+      <p:sp>
+        <p:nvSpPr>
+          <p:cNvPr id="2" name="TextBox 1">
+            <a:extLst>
+              <a:ext uri="{FF2B5EF4-FFF2-40B4-BE49-F238E27FC236}">
+                <a16:creationId xmlns:a16="http://schemas.microsoft.com/office/drawing/2014/main" id="{174C7B2B-C9D1-410E-87A0-DAD4C4E427C7}"/>
+              </a:ext>
+            </a:extLst>
+          </p:cNvPr>
+          <p:cNvSpPr txBox="1"/>
+          <p:nvPr/>
+        </p:nvSpPr>
+        <p:spPr>
+          <a:xfrm>
+            <a:off x="878889" y="411278"/>
+            <a:ext cx="4307269" cy="707886"/>
+          </a:xfrm>
+          <a:prstGeom prst="rect">
+            <a:avLst/>
+          </a:prstGeom>
+          <a:noFill/>
+        </p:spPr>
+        <p:txBody>
+          <a:bodyPr wrap="none" rtlCol="0">
+            <a:spAutoFit/>
+          </a:bodyPr>
+          <a:lstStyle/>
+          <a:p>
+            <a:r>
+              <a:rPr lang="en-US" sz="4000" dirty="0">
+                <a:latin typeface="+mj-lt"/>
+              </a:rPr>
+              <a:t>__</a:t>
+            </a:r>
+            <a:r>
+              <a:rPr lang="en-US" sz="4000" dirty="0" err="1">
+                <a:latin typeface="+mj-lt"/>
+              </a:rPr>
+              <a:t>repr</a:t>
+            </a:r>
+            <a:r>
+              <a:rPr lang="en-US" sz="4000" dirty="0">
+                <a:latin typeface="+mj-lt"/>
+              </a:rPr>
+              <a:t>__ vs __str__</a:t>
+            </a:r>
+            <a:endParaRPr lang="en-IN" sz="4000" dirty="0">
+              <a:latin typeface="+mj-lt"/>
+            </a:endParaRPr>
+          </a:p>
+        </p:txBody>
+      </p:sp>
+    </p:spTree>
+    <p:extLst>
+      <p:ext uri="{BB962C8B-B14F-4D97-AF65-F5344CB8AC3E}">
+        <p14:creationId xmlns:p14="http://schemas.microsoft.com/office/powerpoint/2010/main" val="664329549"/>
+      </p:ext>
+    </p:extLst>
+  </p:cSld>
+  <p:clrMapOvr>
+    <a:masterClrMapping/>
+  </p:clrMapOvr>
+</p:sld>
+</file>
+
+<file path=ppt/slides/slide11.xml><?xml version="1.0" encoding="utf-8"?>
+<p:sld xmlns:a="http://schemas.openxmlformats.org/drawingml/2006/main" xmlns:r="http://schemas.openxmlformats.org/officeDocument/2006/relationships" xmlns:p="http://schemas.openxmlformats.org/presentationml/2006/main">
+  <p:cSld>
+    <p:spTree>
+      <p:nvGrpSpPr>
+        <p:cNvPr id="1" name=""/>
+        <p:cNvGrpSpPr/>
+        <p:nvPr/>
+      </p:nvGrpSpPr>
+      <p:grpSpPr>
+        <a:xfrm>
+          <a:off x="0" y="0"/>
+          <a:ext cx="0" cy="0"/>
+          <a:chOff x="0" y="0"/>
+          <a:chExt cx="0" cy="0"/>
+        </a:xfrm>
+      </p:grpSpPr>
+      <p:sp>
+        <p:nvSpPr>
+          <p:cNvPr id="2" name="Title 1">
+            <a:extLst>
+              <a:ext uri="{FF2B5EF4-FFF2-40B4-BE49-F238E27FC236}">
+                <a16:creationId xmlns:a16="http://schemas.microsoft.com/office/drawing/2014/main" id="{940DC443-54CC-4B2C-A152-F6437F7A8DD7}"/>
+              </a:ext>
+            </a:extLst>
+          </p:cNvPr>
+          <p:cNvSpPr>
+            <a:spLocks noGrp="1"/>
+          </p:cNvSpPr>
+          <p:nvPr>
+            <p:ph type="title"/>
+          </p:nvPr>
+        </p:nvSpPr>
+        <p:spPr>
+          <a:xfrm>
+            <a:off x="838200" y="365126"/>
+            <a:ext cx="10515600" cy="460498"/>
+          </a:xfrm>
+        </p:spPr>
+        <p:txBody>
+          <a:bodyPr>
+            <a:normAutofit fontScale="90000"/>
+          </a:bodyPr>
+          <a:lstStyle/>
+          <a:p>
+            <a:r>
+              <a:rPr lang="en-US" dirty="0"/>
+              <a:t>Building Simple Word Replacement Program</a:t>
+            </a:r>
+            <a:endParaRPr lang="en-IN" dirty="0"/>
+          </a:p>
+        </p:txBody>
+      </p:sp>
+      <p:sp>
+        <p:nvSpPr>
+          <p:cNvPr id="3" name="Content Placeholder 2">
+            <a:extLst>
+              <a:ext uri="{FF2B5EF4-FFF2-40B4-BE49-F238E27FC236}">
+                <a16:creationId xmlns:a16="http://schemas.microsoft.com/office/drawing/2014/main" id="{19BD063A-A51C-481C-9530-93648D0D7D59}"/>
+              </a:ext>
+            </a:extLst>
+          </p:cNvPr>
+          <p:cNvSpPr>
+            <a:spLocks noGrp="1"/>
+          </p:cNvSpPr>
+          <p:nvPr>
+            <p:ph idx="1"/>
+          </p:nvPr>
+        </p:nvSpPr>
+        <p:spPr>
+          <a:xfrm>
+            <a:off x="1216240" y="1473693"/>
+            <a:ext cx="10137559" cy="4703270"/>
+          </a:xfrm>
+        </p:spPr>
+        <p:txBody>
+          <a:bodyPr>
+            <a:normAutofit/>
+          </a:bodyPr>
+          <a:lstStyle/>
+          <a:p>
+            <a:pPr marL="0" indent="0">
+              <a:buNone/>
+            </a:pPr>
+            <a:r>
+              <a:rPr lang="en-US" sz="2000" dirty="0"/>
+              <a:t>Sentence = input(“Enter your sentence:”)</a:t>
+            </a:r>
+          </a:p>
+          <a:p>
+            <a:pPr marL="0" indent="0">
+              <a:buNone/>
+            </a:pPr>
+            <a:r>
+              <a:rPr lang="en-US" sz="2000" dirty="0"/>
+              <a:t>Print(‘Your sentence is : ’,sentence)</a:t>
+            </a:r>
+          </a:p>
+          <a:p>
+            <a:pPr marL="0" indent="0">
+              <a:buNone/>
+            </a:pPr>
+            <a:r>
+              <a:rPr lang="en-US" sz="2000" dirty="0"/>
+              <a:t>Word1 = input(‘Enter the word to replace :’)</a:t>
+            </a:r>
+          </a:p>
+          <a:p>
+            <a:pPr marL="0" indent="0">
+              <a:buNone/>
+            </a:pPr>
+            <a:r>
+              <a:rPr lang="en-US" sz="2000" dirty="0"/>
+              <a:t>Word2 = input(‘Enter the word to replace it with:’)</a:t>
+            </a:r>
+          </a:p>
+          <a:p>
+            <a:pPr marL="0" indent="0">
+              <a:buNone/>
+            </a:pPr>
+            <a:r>
+              <a:rPr lang="en-US" sz="2000" dirty="0"/>
+              <a:t>p</a:t>
+            </a:r>
+            <a:r>
+              <a:rPr lang="en-US" sz="2000"/>
+              <a:t>rint</a:t>
+            </a:r>
+            <a:r>
+              <a:rPr lang="en-US" sz="2000" dirty="0"/>
+              <a:t>(</a:t>
+            </a:r>
+            <a:r>
+              <a:rPr lang="en-US" sz="2000" dirty="0" err="1"/>
+              <a:t>sentence.replace</a:t>
+            </a:r>
+            <a:r>
+              <a:rPr lang="en-US" sz="2000" dirty="0"/>
+              <a:t>(word1,word2))</a:t>
+            </a:r>
+            <a:endParaRPr lang="en-IN" sz="2000" dirty="0"/>
+          </a:p>
+        </p:txBody>
+      </p:sp>
+    </p:spTree>
+    <p:extLst>
+      <p:ext uri="{BB962C8B-B14F-4D97-AF65-F5344CB8AC3E}">
+        <p14:creationId xmlns:p14="http://schemas.microsoft.com/office/powerpoint/2010/main" val="3933609774"/>
       </p:ext>
     </p:extLst>
   </p:cSld>
@@ -3627,9 +4870,16 @@
             <p:ph type="title"/>
           </p:nvPr>
         </p:nvSpPr>
-        <p:spPr/>
-        <p:txBody>
-          <a:bodyPr/>
+        <p:spPr>
+          <a:xfrm>
+            <a:off x="838200" y="365126"/>
+            <a:ext cx="10515600" cy="478254"/>
+          </a:xfrm>
+        </p:spPr>
+        <p:txBody>
+          <a:bodyPr>
+            <a:normAutofit fontScale="90000"/>
+          </a:bodyPr>
           <a:lstStyle/>
           <a:p>
             <a:r>
@@ -3656,10 +4906,15 @@
             <p:ph idx="1"/>
           </p:nvPr>
         </p:nvSpPr>
-        <p:spPr/>
+        <p:spPr>
+          <a:xfrm>
+            <a:off x="838200" y="1189608"/>
+            <a:ext cx="4026764" cy="5668392"/>
+          </a:xfrm>
+        </p:spPr>
         <p:txBody>
           <a:bodyPr>
-            <a:normAutofit fontScale="85000" lnSpcReduction="20000"/>
+            <a:normAutofit fontScale="55000" lnSpcReduction="20000"/>
           </a:bodyPr>
           <a:lstStyle/>
           <a:p>
@@ -3706,8 +4961,16 @@
               <a:buNone/>
             </a:pPr>
             <a:r>
+              <a:rPr lang="en-IN" dirty="0">
+                <a:solidFill>
+                  <a:srgbClr val="FF0000"/>
+                </a:solidFill>
+              </a:rPr>
+              <a:t>Output:</a:t>
+            </a:r>
+            <a:r>
               <a:rPr lang="en-IN" dirty="0"/>
-              <a:t>Output: ‘M’</a:t>
+              <a:t> ‘M’</a:t>
             </a:r>
           </a:p>
           <a:p>
@@ -3752,7 +5015,19 @@
             </a:pPr>
             <a:r>
               <a:rPr lang="en-IN" dirty="0"/>
-              <a:t> output: ‘n’</a:t>
+              <a:t> </a:t>
+            </a:r>
+            <a:r>
+              <a:rPr lang="en-IN" dirty="0">
+                <a:solidFill>
+                  <a:srgbClr val="FF0000"/>
+                </a:solidFill>
+              </a:rPr>
+              <a:t>output:</a:t>
+            </a:r>
+            <a:r>
+              <a:rPr lang="en-IN" dirty="0"/>
+              <a:t> ‘n’</a:t>
             </a:r>
           </a:p>
           <a:p>
@@ -3783,12 +5058,249 @@
               <a:buNone/>
             </a:pPr>
             <a:r>
+              <a:rPr lang="en-IN" dirty="0">
+                <a:solidFill>
+                  <a:srgbClr val="FF0000"/>
+                </a:solidFill>
+              </a:rPr>
+              <a:t>Output: </a:t>
+            </a:r>
+            <a:r>
               <a:rPr lang="en-IN" dirty="0"/>
-              <a:t>Output: me is </a:t>
-            </a:r>
-          </a:p>
-        </p:txBody>
-      </p:sp>
+              <a:t>me is </a:t>
+            </a:r>
+          </a:p>
+          <a:p>
+            <a:pPr marL="0" indent="0">
+              <a:buNone/>
+            </a:pPr>
+            <a:r>
+              <a:rPr lang="en-IN" dirty="0"/>
+              <a:t> </a:t>
+            </a:r>
+          </a:p>
+          <a:p>
+            <a:pPr marL="0" indent="0">
+              <a:buNone/>
+            </a:pPr>
+            <a:r>
+              <a:rPr lang="en-IN" dirty="0"/>
+              <a:t>text =“let’s learn python”</a:t>
+            </a:r>
+          </a:p>
+          <a:p>
+            <a:pPr marL="0" indent="0">
+              <a:buNone/>
+            </a:pPr>
+            <a:r>
+              <a:rPr lang="en-IN" dirty="0"/>
+              <a:t>print(text)</a:t>
+            </a:r>
+          </a:p>
+          <a:p>
+            <a:pPr marL="0" indent="0">
+              <a:buNone/>
+            </a:pPr>
+            <a:endParaRPr lang="en-IN" dirty="0"/>
+          </a:p>
+          <a:p>
+            <a:pPr marL="0" indent="0">
+              <a:buNone/>
+            </a:pPr>
+            <a:r>
+              <a:rPr lang="en-IN" dirty="0"/>
+              <a:t>Address=‘’’1 purple street</a:t>
+            </a:r>
+          </a:p>
+          <a:p>
+            <a:pPr marL="0" indent="0">
+              <a:buNone/>
+            </a:pPr>
+            <a:r>
+              <a:rPr lang="en-IN" dirty="0"/>
+              <a:t>            new York</a:t>
+            </a:r>
+          </a:p>
+          <a:p>
+            <a:pPr marL="0" indent="0">
+              <a:buNone/>
+            </a:pPr>
+            <a:r>
+              <a:rPr lang="en-IN" dirty="0"/>
+              <a:t>        </a:t>
+            </a:r>
+            <a:r>
+              <a:rPr lang="en-IN" dirty="0" err="1"/>
+              <a:t>usa</a:t>
+            </a:r>
+            <a:r>
+              <a:rPr lang="en-IN" dirty="0"/>
+              <a:t>’’’</a:t>
+            </a:r>
+          </a:p>
+          <a:p>
+            <a:pPr marL="0" indent="0">
+              <a:buNone/>
+            </a:pPr>
+            <a:r>
+              <a:rPr lang="en-IN" dirty="0"/>
+              <a:t>print(Address)</a:t>
+            </a:r>
+          </a:p>
+        </p:txBody>
+      </p:sp>
+      <p:sp>
+        <p:nvSpPr>
+          <p:cNvPr id="4" name="TextBox 3">
+            <a:extLst>
+              <a:ext uri="{FF2B5EF4-FFF2-40B4-BE49-F238E27FC236}">
+                <a16:creationId xmlns:a16="http://schemas.microsoft.com/office/drawing/2014/main" id="{87D40346-1E12-4EBC-963F-860118627F40}"/>
+              </a:ext>
+            </a:extLst>
+          </p:cNvPr>
+          <p:cNvSpPr txBox="1"/>
+          <p:nvPr/>
+        </p:nvSpPr>
+        <p:spPr>
+          <a:xfrm>
+            <a:off x="6507332" y="1438183"/>
+            <a:ext cx="2694327" cy="1477328"/>
+          </a:xfrm>
+          <a:prstGeom prst="rect">
+            <a:avLst/>
+          </a:prstGeom>
+          <a:noFill/>
+        </p:spPr>
+        <p:txBody>
+          <a:bodyPr wrap="none" rtlCol="0">
+            <a:spAutoFit/>
+          </a:bodyPr>
+          <a:lstStyle/>
+          <a:p>
+            <a:pPr marL="285750" indent="-285750">
+              <a:buFont typeface="Wingdings" panose="05000000000000000000" pitchFamily="2" charset="2"/>
+              <a:buChar char="Ø"/>
+            </a:pPr>
+            <a:r>
+              <a:rPr lang="en-US" dirty="0"/>
+              <a:t>S=“total states in </a:t>
+            </a:r>
+            <a:r>
+              <a:rPr lang="en-US" dirty="0" err="1"/>
+              <a:t>usa</a:t>
+            </a:r>
+            <a:r>
+              <a:rPr lang="en-US" dirty="0"/>
+              <a:t> #”</a:t>
+            </a:r>
+          </a:p>
+          <a:p>
+            <a:pPr marL="285750" indent="-285750">
+              <a:buFont typeface="Wingdings" panose="05000000000000000000" pitchFamily="2" charset="2"/>
+              <a:buChar char="Ø"/>
+            </a:pPr>
+            <a:r>
+              <a:rPr lang="en-US" dirty="0"/>
+              <a:t>Num=25</a:t>
+            </a:r>
+          </a:p>
+          <a:p>
+            <a:pPr marL="285750" indent="-285750">
+              <a:buFont typeface="Wingdings" panose="05000000000000000000" pitchFamily="2" charset="2"/>
+              <a:buChar char="Ø"/>
+            </a:pPr>
+            <a:r>
+              <a:rPr lang="en-US" dirty="0" err="1"/>
+              <a:t>S+num</a:t>
+            </a:r>
+            <a:r>
+              <a:rPr lang="en-US" dirty="0"/>
+              <a:t> </a:t>
+            </a:r>
+            <a:r>
+              <a:rPr lang="en-US" dirty="0">
+                <a:solidFill>
+                  <a:srgbClr val="FF0000"/>
+                </a:solidFill>
+              </a:rPr>
+              <a:t>#error</a:t>
+            </a:r>
+          </a:p>
+          <a:p>
+            <a:pPr marL="285750" indent="-285750">
+              <a:buFont typeface="Wingdings" panose="05000000000000000000" pitchFamily="2" charset="2"/>
+              <a:buChar char="Ø"/>
+            </a:pPr>
+            <a:r>
+              <a:rPr lang="en-US" dirty="0"/>
+              <a:t>Str(num)</a:t>
+            </a:r>
+          </a:p>
+          <a:p>
+            <a:pPr marL="285750" indent="-285750">
+              <a:buFont typeface="Wingdings" panose="05000000000000000000" pitchFamily="2" charset="2"/>
+              <a:buChar char="Ø"/>
+            </a:pPr>
+            <a:r>
+              <a:rPr lang="en-US" dirty="0" err="1"/>
+              <a:t>S+str</a:t>
+            </a:r>
+            <a:r>
+              <a:rPr lang="en-US" dirty="0"/>
+              <a:t>(num) </a:t>
+            </a:r>
+            <a:r>
+              <a:rPr lang="en-US" dirty="0">
+                <a:solidFill>
+                  <a:srgbClr val="00B050"/>
+                </a:solidFill>
+              </a:rPr>
+              <a:t>#correct</a:t>
+            </a:r>
+            <a:endParaRPr lang="en-IN" dirty="0">
+              <a:solidFill>
+                <a:srgbClr val="00B050"/>
+              </a:solidFill>
+            </a:endParaRPr>
+          </a:p>
+        </p:txBody>
+      </p:sp>
+      <p:cxnSp>
+        <p:nvCxnSpPr>
+          <p:cNvPr id="6" name="Straight Connector 5">
+            <a:extLst>
+              <a:ext uri="{FF2B5EF4-FFF2-40B4-BE49-F238E27FC236}">
+                <a16:creationId xmlns:a16="http://schemas.microsoft.com/office/drawing/2014/main" id="{DF89C96F-4B70-4434-83F3-8BA7DDB488C6}"/>
+              </a:ext>
+            </a:extLst>
+          </p:cNvPr>
+          <p:cNvCxnSpPr/>
+          <p:nvPr/>
+        </p:nvCxnSpPr>
+        <p:spPr>
+          <a:xfrm>
+            <a:off x="5850384" y="843380"/>
+            <a:ext cx="0" cy="6014620"/>
+          </a:xfrm>
+          <a:prstGeom prst="line">
+            <a:avLst/>
+          </a:prstGeom>
+        </p:spPr>
+        <p:style>
+          <a:lnRef idx="1">
+            <a:schemeClr val="dk1"/>
+          </a:lnRef>
+          <a:fillRef idx="0">
+            <a:schemeClr val="dk1"/>
+          </a:fillRef>
+          <a:effectRef idx="0">
+            <a:schemeClr val="dk1"/>
+          </a:effectRef>
+          <a:fontRef idx="minor">
+            <a:schemeClr val="tx1"/>
+          </a:fontRef>
+        </p:style>
+      </p:cxnSp>
     </p:spTree>
     <p:extLst>
       <p:ext uri="{BB962C8B-B14F-4D97-AF65-F5344CB8AC3E}">
@@ -4327,7 +5839,12 @@
             <p:ph idx="1"/>
           </p:nvPr>
         </p:nvSpPr>
-        <p:spPr/>
+        <p:spPr>
+          <a:xfrm>
+            <a:off x="763480" y="1606858"/>
+            <a:ext cx="10590320" cy="4570105"/>
+          </a:xfrm>
+        </p:spPr>
         <p:txBody>
           <a:bodyPr/>
           <a:lstStyle/>
@@ -4364,15 +5881,7 @@
             </a:pPr>
             <a:r>
               <a:rPr lang="en-US" dirty="0"/>
-              <a:t>Number of </a:t>
-            </a:r>
-            <a:r>
-              <a:rPr lang="en-US" dirty="0" err="1"/>
-              <a:t>occurences</a:t>
-            </a:r>
-            <a:r>
-              <a:rPr lang="en-US" dirty="0"/>
-              <a:t> </a:t>
+              <a:t>Number of occurrences </a:t>
             </a:r>
           </a:p>
           <a:p>
@@ -4448,10 +5957,18 @@
           <a:p>
             <a:pPr algn="ctr"/>
             <a:r>
-              <a:rPr lang="en-US" dirty="0"/>
+              <a:rPr lang="en-US" dirty="0">
+                <a:solidFill>
+                  <a:srgbClr val="FF0000"/>
+                </a:solidFill>
+              </a:rPr>
               <a:t>Output: ‘Ma name is John’</a:t>
             </a:r>
-            <a:endParaRPr lang="en-IN" dirty="0"/>
+            <a:endParaRPr lang="en-IN" dirty="0">
+              <a:solidFill>
+                <a:srgbClr val="FF0000"/>
+              </a:solidFill>
+            </a:endParaRPr>
           </a:p>
         </p:txBody>
       </p:sp>
@@ -4494,7 +6011,6 @@
           <a:bodyPr rtlCol="0" anchor="ctr"/>
           <a:lstStyle/>
           <a:p>
-            <a:pPr algn="ctr"/>
             <a:r>
               <a:rPr lang="en-US" dirty="0"/>
               <a:t>  </a:t>
@@ -4517,7 +6033,6 @@
             </a:r>
           </a:p>
           <a:p>
-            <a:pPr algn="ctr"/>
             <a:r>
               <a:rPr lang="en-US" dirty="0"/>
               <a:t> </a:t>
@@ -4532,12 +6047,19 @@
             </a:r>
           </a:p>
           <a:p>
-            <a:pPr algn="ctr"/>
-            <a:r>
-              <a:rPr lang="en-US" dirty="0"/>
+            <a:r>
+              <a:rPr lang="en-US" dirty="0">
+                <a:solidFill>
+                  <a:srgbClr val="FF0000"/>
+                </a:solidFill>
+              </a:rPr>
               <a:t>Output: 2</a:t>
             </a:r>
-            <a:endParaRPr lang="en-IN" dirty="0"/>
+            <a:endParaRPr lang="en-IN" dirty="0">
+              <a:solidFill>
+                <a:srgbClr val="FF0000"/>
+              </a:solidFill>
+            </a:endParaRPr>
           </a:p>
         </p:txBody>
       </p:sp>
@@ -4960,7 +6482,7 @@
         <p:spPr>
           <a:xfrm>
             <a:off x="1233996" y="2477595"/>
-            <a:ext cx="7879401" cy="2862322"/>
+            <a:ext cx="10390793" cy="3693319"/>
           </a:xfrm>
           <a:prstGeom prst="rect">
             <a:avLst/>
@@ -4975,7 +6497,11 @@
           <a:p>
             <a:r>
               <a:rPr lang="en-US" dirty="0"/>
-              <a:t> string1=“data analytics” </a:t>
+              <a:t> </a:t>
+            </a:r>
+            <a:r>
+              <a:rPr lang="en-US" sz="2400" dirty="0"/>
+              <a:t>string1=“data analytics” </a:t>
             </a:r>
           </a:p>
           <a:p>
@@ -4984,11 +6510,15 @@
               <a:buChar char="•"/>
             </a:pPr>
             <a:r>
-              <a:rPr lang="en-US" dirty="0" err="1"/>
+              <a:rPr lang="en-US" sz="2400" dirty="0"/>
+              <a:t> </a:t>
+            </a:r>
+            <a:r>
+              <a:rPr lang="en-US" sz="2400" dirty="0" err="1"/>
               <a:t>len</a:t>
             </a:r>
             <a:r>
-              <a:rPr lang="en-US" dirty="0"/>
+              <a:rPr lang="en-US" sz="2400" dirty="0"/>
               <a:t>(“Python”)  #6</a:t>
             </a:r>
           </a:p>
@@ -4998,15 +6528,15 @@
               <a:buChar char="•"/>
             </a:pPr>
             <a:r>
-              <a:rPr lang="en-US" dirty="0"/>
+              <a:rPr lang="en-US" sz="2400" dirty="0"/>
               <a:t> </a:t>
             </a:r>
             <a:r>
-              <a:rPr lang="en-US" dirty="0" err="1"/>
+              <a:rPr lang="en-US" sz="2400" dirty="0" err="1"/>
               <a:t>len</a:t>
             </a:r>
             <a:r>
-              <a:rPr lang="en-US" dirty="0"/>
+              <a:rPr lang="en-US" sz="2400" dirty="0"/>
               <a:t>(‘a  b c ‘)  #5</a:t>
             </a:r>
           </a:p>
@@ -5016,7 +6546,7 @@
               <a:buChar char="•"/>
             </a:pPr>
             <a:r>
-              <a:rPr lang="en-US" dirty="0"/>
+              <a:rPr lang="en-US" sz="2400" dirty="0"/>
               <a:t> print(string1[0])  #prints first character of the string.</a:t>
             </a:r>
           </a:p>
@@ -5026,23 +6556,23 @@
               <a:buChar char="•"/>
             </a:pPr>
             <a:r>
-              <a:rPr lang="en-US" dirty="0"/>
+              <a:rPr lang="en-US" sz="2400" dirty="0"/>
               <a:t> print(string1[4 : 7])  #prints characters starting from 4</a:t>
             </a:r>
             <a:r>
-              <a:rPr lang="en-US" baseline="30000" dirty="0"/>
+              <a:rPr lang="en-US" sz="2400" baseline="30000" dirty="0"/>
               <a:t>th</a:t>
             </a:r>
             <a:r>
-              <a:rPr lang="en-US" dirty="0"/>
+              <a:rPr lang="en-US" sz="2400" dirty="0"/>
               <a:t> to 6</a:t>
             </a:r>
             <a:r>
-              <a:rPr lang="en-US" baseline="30000" dirty="0"/>
+              <a:rPr lang="en-US" sz="2400" baseline="30000" dirty="0"/>
               <a:t>th</a:t>
             </a:r>
             <a:r>
-              <a:rPr lang="en-US" dirty="0"/>
+              <a:rPr lang="en-US" sz="2400" dirty="0"/>
               <a:t>.</a:t>
             </a:r>
           </a:p>
@@ -5052,15 +6582,15 @@
               <a:buChar char="•"/>
             </a:pPr>
             <a:r>
-              <a:rPr lang="en-US" dirty="0"/>
+              <a:rPr lang="en-US" sz="2400" dirty="0"/>
               <a:t> print(string1[3 : ]) # prints string starting from 3</a:t>
             </a:r>
             <a:r>
-              <a:rPr lang="en-US" baseline="30000" dirty="0"/>
+              <a:rPr lang="en-US" sz="2400" baseline="30000" dirty="0"/>
               <a:t>rd</a:t>
             </a:r>
             <a:r>
-              <a:rPr lang="en-US" dirty="0"/>
+              <a:rPr lang="en-US" sz="2400" dirty="0"/>
               <a:t>  character</a:t>
             </a:r>
           </a:p>
@@ -5070,15 +6600,15 @@
               <a:buChar char="•"/>
             </a:pPr>
             <a:r>
-              <a:rPr lang="en-US" dirty="0"/>
+              <a:rPr lang="en-US" sz="2400" dirty="0"/>
               <a:t> print(string1[1 : -2]) #prints from 2</a:t>
             </a:r>
             <a:r>
-              <a:rPr lang="en-US" baseline="30000" dirty="0"/>
+              <a:rPr lang="en-US" sz="2400" baseline="30000" dirty="0"/>
               <a:t>nd</a:t>
             </a:r>
             <a:r>
-              <a:rPr lang="en-US" dirty="0"/>
+              <a:rPr lang="en-US" sz="2400" dirty="0"/>
               <a:t> character to one character before the last.</a:t>
             </a:r>
           </a:p>
@@ -5088,7 +6618,7 @@
               <a:buChar char="•"/>
             </a:pPr>
             <a:r>
-              <a:rPr lang="en-US" dirty="0"/>
+              <a:rPr lang="en-US" sz="2400" dirty="0"/>
               <a:t> print(string1 * 3)  # prints string 3 times.</a:t>
             </a:r>
           </a:p>
@@ -5098,7 +6628,7 @@
               <a:buChar char="•"/>
             </a:pPr>
             <a:r>
-              <a:rPr lang="en-US" dirty="0"/>
+              <a:rPr lang="en-US" sz="2400" dirty="0"/>
               <a:t> print(string1 + “is cool !”) #two strings concatenated using ‘+’ operator.</a:t>
             </a:r>
           </a:p>
@@ -5115,6 +6645,1393 @@
     <p:extLst>
       <p:ext uri="{BB962C8B-B14F-4D97-AF65-F5344CB8AC3E}">
         <p14:creationId xmlns:p14="http://schemas.microsoft.com/office/powerpoint/2010/main" val="3126090413"/>
+      </p:ext>
+    </p:extLst>
+  </p:cSld>
+  <p:clrMapOvr>
+    <a:masterClrMapping/>
+  </p:clrMapOvr>
+</p:sld>
+</file>
+
+<file path=ppt/slides/slide7.xml><?xml version="1.0" encoding="utf-8"?>
+<p:sld xmlns:a="http://schemas.openxmlformats.org/drawingml/2006/main" xmlns:r="http://schemas.openxmlformats.org/officeDocument/2006/relationships" xmlns:p="http://schemas.openxmlformats.org/presentationml/2006/main">
+  <p:cSld>
+    <p:spTree>
+      <p:nvGrpSpPr>
+        <p:cNvPr id="1" name=""/>
+        <p:cNvGrpSpPr/>
+        <p:nvPr/>
+      </p:nvGrpSpPr>
+      <p:grpSpPr>
+        <a:xfrm>
+          <a:off x="0" y="0"/>
+          <a:ext cx="0" cy="0"/>
+          <a:chOff x="0" y="0"/>
+          <a:chExt cx="0" cy="0"/>
+        </a:xfrm>
+      </p:grpSpPr>
+      <p:sp>
+        <p:nvSpPr>
+          <p:cNvPr id="2" name="Title 1">
+            <a:extLst>
+              <a:ext uri="{FF2B5EF4-FFF2-40B4-BE49-F238E27FC236}">
+                <a16:creationId xmlns:a16="http://schemas.microsoft.com/office/drawing/2014/main" id="{087E3ABE-9C34-4C4C-9FA1-626D0FA31E2E}"/>
+              </a:ext>
+            </a:extLst>
+          </p:cNvPr>
+          <p:cNvSpPr>
+            <a:spLocks noGrp="1"/>
+          </p:cNvSpPr>
+          <p:nvPr>
+            <p:ph type="title"/>
+          </p:nvPr>
+        </p:nvSpPr>
+        <p:spPr>
+          <a:xfrm>
+            <a:off x="838200" y="365125"/>
+            <a:ext cx="2526437" cy="433865"/>
+          </a:xfrm>
+        </p:spPr>
+        <p:txBody>
+          <a:bodyPr>
+            <a:normAutofit fontScale="90000"/>
+          </a:bodyPr>
+          <a:lstStyle/>
+          <a:p>
+            <a:r>
+              <a:rPr lang="en-US" dirty="0"/>
+              <a:t>Examples</a:t>
+            </a:r>
+            <a:endParaRPr lang="en-IN" dirty="0"/>
+          </a:p>
+        </p:txBody>
+      </p:sp>
+      <p:sp>
+        <p:nvSpPr>
+          <p:cNvPr id="3" name="Content Placeholder 2">
+            <a:extLst>
+              <a:ext uri="{FF2B5EF4-FFF2-40B4-BE49-F238E27FC236}">
+                <a16:creationId xmlns:a16="http://schemas.microsoft.com/office/drawing/2014/main" id="{A8EBB9A4-B646-44D9-8E47-F1CFCDD83CD1}"/>
+              </a:ext>
+            </a:extLst>
+          </p:cNvPr>
+          <p:cNvSpPr>
+            <a:spLocks noGrp="1"/>
+          </p:cNvSpPr>
+          <p:nvPr>
+            <p:ph idx="1"/>
+          </p:nvPr>
+        </p:nvSpPr>
+        <p:spPr>
+          <a:xfrm>
+            <a:off x="1162975" y="1367161"/>
+            <a:ext cx="10687975" cy="5200419"/>
+          </a:xfrm>
+        </p:spPr>
+        <p:txBody>
+          <a:bodyPr>
+            <a:normAutofit/>
+          </a:bodyPr>
+          <a:lstStyle/>
+          <a:p>
+            <a:pPr marL="0" indent="0">
+              <a:buNone/>
+            </a:pPr>
+            <a:r>
+              <a:rPr lang="en-US" sz="1800" dirty="0" err="1"/>
+              <a:t>mystr</a:t>
+            </a:r>
+            <a:r>
+              <a:rPr lang="en-US" sz="1800" dirty="0"/>
+              <a:t>=“Harry is a good boy”</a:t>
+            </a:r>
+          </a:p>
+          <a:p>
+            <a:pPr marL="0" indent="0">
+              <a:buNone/>
+            </a:pPr>
+            <a:r>
+              <a:rPr lang="en-US" sz="1800" dirty="0"/>
+              <a:t> print(</a:t>
+            </a:r>
+            <a:r>
+              <a:rPr lang="en-US" sz="1800" dirty="0" err="1"/>
+              <a:t>mystr</a:t>
+            </a:r>
+            <a:r>
+              <a:rPr lang="en-US" sz="1800" dirty="0"/>
+              <a:t>[: :-2])</a:t>
+            </a:r>
+          </a:p>
+          <a:p>
+            <a:pPr marL="0" indent="0">
+              <a:buNone/>
+            </a:pPr>
+            <a:r>
+              <a:rPr lang="en-US" sz="1800" dirty="0"/>
+              <a:t> print(</a:t>
+            </a:r>
+            <a:r>
+              <a:rPr lang="en-US" sz="1800" dirty="0" err="1"/>
+              <a:t>mystr.isalnum</a:t>
+            </a:r>
+            <a:r>
+              <a:rPr lang="en-US" sz="1800" dirty="0"/>
+              <a:t>()) # False-because string contains spaces and doesn't contain digits.</a:t>
+            </a:r>
+          </a:p>
+          <a:p>
+            <a:pPr marL="0" indent="0">
+              <a:buNone/>
+            </a:pPr>
+            <a:r>
+              <a:rPr lang="en-US" sz="1800" dirty="0"/>
+              <a:t> print(</a:t>
+            </a:r>
+            <a:r>
+              <a:rPr lang="en-US" sz="1800" dirty="0" err="1"/>
+              <a:t>mystr.isalpha</a:t>
+            </a:r>
+            <a:r>
+              <a:rPr lang="en-US" sz="1800" dirty="0"/>
+              <a:t>()) #False, because string contains spaces and doesn't contain alphabets.</a:t>
+            </a:r>
+          </a:p>
+          <a:p>
+            <a:pPr marL="0" indent="0">
+              <a:buNone/>
+            </a:pPr>
+            <a:r>
+              <a:rPr lang="en-US" sz="1800" dirty="0"/>
+              <a:t> print(</a:t>
+            </a:r>
+            <a:r>
+              <a:rPr lang="en-US" sz="1800" dirty="0" err="1"/>
+              <a:t>mystr.endswith</a:t>
+            </a:r>
+            <a:r>
+              <a:rPr lang="en-US" sz="1800" dirty="0"/>
+              <a:t>(“boy”) # True</a:t>
+            </a:r>
+          </a:p>
+          <a:p>
+            <a:pPr marL="0" indent="0">
+              <a:buNone/>
+            </a:pPr>
+            <a:r>
+              <a:rPr lang="en-US" sz="1800" dirty="0"/>
+              <a:t> print(</a:t>
+            </a:r>
+            <a:r>
+              <a:rPr lang="en-US" sz="1800" dirty="0" err="1"/>
+              <a:t>mystr.count</a:t>
+            </a:r>
+            <a:r>
+              <a:rPr lang="en-US" sz="1800" dirty="0"/>
+              <a:t>(“o”)) # 3</a:t>
+            </a:r>
+          </a:p>
+          <a:p>
+            <a:pPr marL="0" indent="0">
+              <a:buNone/>
+            </a:pPr>
+            <a:r>
+              <a:rPr lang="en-US" sz="1800" dirty="0"/>
+              <a:t> print(</a:t>
+            </a:r>
+            <a:r>
+              <a:rPr lang="en-US" sz="1800" dirty="0" err="1"/>
+              <a:t>mystr.capitalize</a:t>
+            </a:r>
+            <a:r>
+              <a:rPr lang="en-US" sz="1800" dirty="0"/>
+              <a:t>()) #capitalizes first letter in string</a:t>
+            </a:r>
+          </a:p>
+          <a:p>
+            <a:pPr marL="0" indent="0">
+              <a:buNone/>
+            </a:pPr>
+            <a:r>
+              <a:rPr lang="en-US" sz="1800" dirty="0"/>
+              <a:t> print(</a:t>
+            </a:r>
+            <a:r>
+              <a:rPr lang="en-US" sz="1800" dirty="0" err="1"/>
+              <a:t>mystr.find</a:t>
+            </a:r>
+            <a:r>
+              <a:rPr lang="en-US" sz="1800" dirty="0"/>
+              <a:t>(“is”)) #gives the index where ‘is’ occurs</a:t>
+            </a:r>
+          </a:p>
+          <a:p>
+            <a:pPr marL="0" indent="0">
+              <a:buNone/>
+            </a:pPr>
+            <a:r>
+              <a:rPr lang="en-US" sz="1800" dirty="0"/>
+              <a:t> print(</a:t>
+            </a:r>
+            <a:r>
+              <a:rPr lang="en-US" sz="1800" dirty="0" err="1"/>
+              <a:t>mystr.replace</a:t>
+            </a:r>
+            <a:r>
+              <a:rPr lang="en-US" sz="1800" dirty="0"/>
+              <a:t>(“is”, “are”))</a:t>
+            </a:r>
+          </a:p>
+          <a:p>
+            <a:pPr marL="0" indent="0">
+              <a:buNone/>
+            </a:pPr>
+            <a:r>
+              <a:rPr lang="en-US" sz="1800" dirty="0"/>
+              <a:t>Print(</a:t>
+            </a:r>
+            <a:r>
+              <a:rPr lang="en-US" sz="1800" dirty="0" err="1"/>
+              <a:t>mystr.islower</a:t>
+            </a:r>
+            <a:r>
+              <a:rPr lang="en-US" sz="1800" dirty="0"/>
+              <a:t>()) #false- </a:t>
+            </a:r>
+            <a:r>
+              <a:rPr lang="en-US" sz="1800" dirty="0" err="1"/>
+              <a:t>bcoz</a:t>
+            </a:r>
+            <a:r>
+              <a:rPr lang="en-US" sz="1800" dirty="0"/>
+              <a:t> every char is not lowercase.</a:t>
+            </a:r>
+          </a:p>
+          <a:p>
+            <a:pPr marL="0" indent="0">
+              <a:buNone/>
+            </a:pPr>
+            <a:r>
+              <a:rPr lang="en-US" sz="1800" dirty="0"/>
+              <a:t>Print(</a:t>
+            </a:r>
+            <a:r>
+              <a:rPr lang="en-US" sz="1800" dirty="0" err="1"/>
+              <a:t>mystr.isupper</a:t>
+            </a:r>
+            <a:r>
+              <a:rPr lang="en-US" sz="1800" dirty="0"/>
+              <a:t>()) #false.</a:t>
+            </a:r>
+          </a:p>
+          <a:p>
+            <a:pPr marL="0" indent="0">
+              <a:buNone/>
+            </a:pPr>
+            <a:r>
+              <a:rPr lang="en-US" sz="1800" dirty="0"/>
+              <a:t>Print(</a:t>
+            </a:r>
+            <a:r>
+              <a:rPr lang="en-US" sz="1800" dirty="0" err="1"/>
+              <a:t>mystr.lower</a:t>
+            </a:r>
+            <a:r>
+              <a:rPr lang="en-US" sz="1800" dirty="0"/>
+              <a:t>().</a:t>
+            </a:r>
+            <a:r>
+              <a:rPr lang="en-US" sz="1800" dirty="0" err="1"/>
+              <a:t>islower</a:t>
+            </a:r>
+            <a:r>
+              <a:rPr lang="en-US" sz="1800" dirty="0"/>
+              <a:t>()) #true</a:t>
+            </a:r>
+          </a:p>
+          <a:p>
+            <a:pPr marL="0" indent="0">
+              <a:buNone/>
+            </a:pPr>
+            <a:r>
+              <a:rPr lang="en-US" sz="1800" dirty="0"/>
+              <a:t>Print(</a:t>
+            </a:r>
+            <a:r>
+              <a:rPr lang="en-US" sz="1800" dirty="0" err="1"/>
+              <a:t>len</a:t>
+            </a:r>
+            <a:r>
+              <a:rPr lang="en-US" sz="1800" dirty="0"/>
+              <a:t>(</a:t>
+            </a:r>
+            <a:r>
+              <a:rPr lang="en-US" sz="1800" dirty="0" err="1"/>
+              <a:t>mystr</a:t>
+            </a:r>
+            <a:r>
+              <a:rPr lang="en-US" sz="1800" dirty="0"/>
+              <a:t>))</a:t>
+            </a:r>
+          </a:p>
+          <a:p>
+            <a:pPr marL="0" indent="0">
+              <a:buNone/>
+            </a:pPr>
+            <a:r>
+              <a:rPr lang="en-US" sz="1800" dirty="0"/>
+              <a:t>Print(</a:t>
+            </a:r>
+            <a:r>
+              <a:rPr lang="en-US" sz="1800" dirty="0" err="1"/>
+              <a:t>mystr.index</a:t>
+            </a:r>
+            <a:r>
+              <a:rPr lang="en-US" sz="1800" dirty="0"/>
+              <a:t>(‘I’)) # to get index of a char</a:t>
+            </a:r>
+            <a:endParaRPr lang="en-IN" sz="1800" dirty="0"/>
+          </a:p>
+        </p:txBody>
+      </p:sp>
+    </p:spTree>
+    <p:extLst>
+      <p:ext uri="{BB962C8B-B14F-4D97-AF65-F5344CB8AC3E}">
+        <p14:creationId xmlns:p14="http://schemas.microsoft.com/office/powerpoint/2010/main" val="3345454316"/>
+      </p:ext>
+    </p:extLst>
+  </p:cSld>
+  <p:clrMapOvr>
+    <a:masterClrMapping/>
+  </p:clrMapOvr>
+</p:sld>
+</file>
+
+<file path=ppt/slides/slide8.xml><?xml version="1.0" encoding="utf-8"?>
+<p:sld xmlns:a="http://schemas.openxmlformats.org/drawingml/2006/main" xmlns:r="http://schemas.openxmlformats.org/officeDocument/2006/relationships" xmlns:p="http://schemas.openxmlformats.org/presentationml/2006/main">
+  <p:cSld>
+    <p:spTree>
+      <p:nvGrpSpPr>
+        <p:cNvPr id="1" name=""/>
+        <p:cNvGrpSpPr/>
+        <p:nvPr/>
+      </p:nvGrpSpPr>
+      <p:grpSpPr>
+        <a:xfrm>
+          <a:off x="0" y="0"/>
+          <a:ext cx="0" cy="0"/>
+          <a:chOff x="0" y="0"/>
+          <a:chExt cx="0" cy="0"/>
+        </a:xfrm>
+      </p:grpSpPr>
+      <p:sp>
+        <p:nvSpPr>
+          <p:cNvPr id="2" name="Title 1">
+            <a:extLst>
+              <a:ext uri="{FF2B5EF4-FFF2-40B4-BE49-F238E27FC236}">
+                <a16:creationId xmlns:a16="http://schemas.microsoft.com/office/drawing/2014/main" id="{D460B6E6-7CFF-4A00-8E23-CC4CA91C40EE}"/>
+              </a:ext>
+            </a:extLst>
+          </p:cNvPr>
+          <p:cNvSpPr>
+            <a:spLocks noGrp="1"/>
+          </p:cNvSpPr>
+          <p:nvPr>
+            <p:ph type="title"/>
+          </p:nvPr>
+        </p:nvSpPr>
+        <p:spPr>
+          <a:xfrm>
+            <a:off x="838200" y="365126"/>
+            <a:ext cx="10515600" cy="469376"/>
+          </a:xfrm>
+        </p:spPr>
+        <p:txBody>
+          <a:bodyPr>
+            <a:normAutofit fontScale="90000"/>
+          </a:bodyPr>
+          <a:lstStyle/>
+          <a:p>
+            <a:r>
+              <a:rPr lang="en-IN" dirty="0"/>
+              <a:t>F-Strings &amp; String Formatting in Python</a:t>
+            </a:r>
+          </a:p>
+        </p:txBody>
+      </p:sp>
+      <p:sp>
+        <p:nvSpPr>
+          <p:cNvPr id="3" name="Content Placeholder 2">
+            <a:extLst>
+              <a:ext uri="{FF2B5EF4-FFF2-40B4-BE49-F238E27FC236}">
+                <a16:creationId xmlns:a16="http://schemas.microsoft.com/office/drawing/2014/main" id="{86A1B058-4061-43D8-A220-D130366B418D}"/>
+              </a:ext>
+            </a:extLst>
+          </p:cNvPr>
+          <p:cNvSpPr>
+            <a:spLocks noGrp="1"/>
+          </p:cNvSpPr>
+          <p:nvPr>
+            <p:ph idx="1"/>
+          </p:nvPr>
+        </p:nvSpPr>
+        <p:spPr>
+          <a:xfrm>
+            <a:off x="772357" y="1313895"/>
+            <a:ext cx="10581443" cy="4863068"/>
+          </a:xfrm>
+        </p:spPr>
+        <p:txBody>
+          <a:bodyPr>
+            <a:normAutofit fontScale="85000" lnSpcReduction="20000"/>
+          </a:bodyPr>
+          <a:lstStyle/>
+          <a:p>
+            <a:pPr marL="457200" lvl="1" indent="0">
+              <a:buNone/>
+            </a:pPr>
+            <a:r>
+              <a:rPr lang="en-US" dirty="0">
+                <a:solidFill>
+                  <a:srgbClr val="FF0000"/>
+                </a:solidFill>
+              </a:rPr>
+              <a:t>#Method-1</a:t>
+            </a:r>
+          </a:p>
+          <a:p>
+            <a:pPr marL="457200" lvl="1" indent="0">
+              <a:buNone/>
+            </a:pPr>
+            <a:r>
+              <a:rPr lang="en-US" dirty="0"/>
+              <a:t>me="Harry"</a:t>
+            </a:r>
+          </a:p>
+          <a:p>
+            <a:pPr marL="457200" lvl="1" indent="0">
+              <a:buNone/>
+            </a:pPr>
+            <a:r>
+              <a:rPr lang="en-US" dirty="0"/>
+              <a:t>n=3</a:t>
+            </a:r>
+          </a:p>
+          <a:p>
+            <a:pPr marL="457200" lvl="1" indent="0">
+              <a:buNone/>
+            </a:pPr>
+            <a:r>
+              <a:rPr lang="en-US" dirty="0"/>
+              <a:t>a="this is %</a:t>
+            </a:r>
+            <a:r>
+              <a:rPr lang="en-US" dirty="0" err="1"/>
+              <a:t>s"%me</a:t>
+            </a:r>
+            <a:endParaRPr lang="en-US" dirty="0"/>
+          </a:p>
+          <a:p>
+            <a:pPr marL="457200" lvl="1" indent="0">
+              <a:buNone/>
+            </a:pPr>
+            <a:r>
+              <a:rPr lang="en-US" dirty="0"/>
+              <a:t>b="this is %s %s"%(</a:t>
+            </a:r>
+            <a:r>
+              <a:rPr lang="en-US" dirty="0" err="1"/>
+              <a:t>me,n</a:t>
+            </a:r>
+            <a:r>
+              <a:rPr lang="en-US" dirty="0"/>
+              <a:t>)</a:t>
+            </a:r>
+          </a:p>
+          <a:p>
+            <a:pPr marL="457200" lvl="1" indent="0">
+              <a:buNone/>
+            </a:pPr>
+            <a:r>
+              <a:rPr lang="en-US" dirty="0"/>
+              <a:t>print(a)</a:t>
+            </a:r>
+          </a:p>
+          <a:p>
+            <a:pPr marL="457200" lvl="1" indent="0">
+              <a:buNone/>
+            </a:pPr>
+            <a:r>
+              <a:rPr lang="en-US" dirty="0"/>
+              <a:t>print(b)</a:t>
+            </a:r>
+          </a:p>
+          <a:p>
+            <a:pPr marL="457200" lvl="1" indent="0">
+              <a:buNone/>
+            </a:pPr>
+            <a:endParaRPr lang="en-US" dirty="0"/>
+          </a:p>
+          <a:p>
+            <a:pPr marL="457200" lvl="1" indent="0">
+              <a:buNone/>
+            </a:pPr>
+            <a:r>
+              <a:rPr lang="en-US" dirty="0">
+                <a:solidFill>
+                  <a:srgbClr val="FF0000"/>
+                </a:solidFill>
+              </a:rPr>
+              <a:t>#Method-2</a:t>
+            </a:r>
+          </a:p>
+          <a:p>
+            <a:pPr marL="457200" lvl="1" indent="0">
+              <a:buNone/>
+            </a:pPr>
+            <a:r>
+              <a:rPr lang="en-US" dirty="0"/>
+              <a:t>x="This is {1} {0}"</a:t>
+            </a:r>
+          </a:p>
+          <a:p>
+            <a:pPr marL="457200" lvl="1" indent="0">
+              <a:buNone/>
+            </a:pPr>
+            <a:r>
+              <a:rPr lang="en-US" dirty="0"/>
+              <a:t>y=</a:t>
+            </a:r>
+            <a:r>
+              <a:rPr lang="en-US" dirty="0" err="1"/>
+              <a:t>x.format</a:t>
+            </a:r>
+            <a:r>
+              <a:rPr lang="en-US" dirty="0"/>
+              <a:t>(</a:t>
+            </a:r>
+            <a:r>
+              <a:rPr lang="en-US" dirty="0" err="1"/>
+              <a:t>me,n</a:t>
+            </a:r>
+            <a:r>
+              <a:rPr lang="en-US" dirty="0"/>
+              <a:t>)</a:t>
+            </a:r>
+          </a:p>
+          <a:p>
+            <a:pPr marL="457200" lvl="1" indent="0">
+              <a:buNone/>
+            </a:pPr>
+            <a:r>
+              <a:rPr lang="en-US" dirty="0"/>
+              <a:t>print(y)</a:t>
+            </a:r>
+          </a:p>
+          <a:p>
+            <a:pPr marL="457200" lvl="1" indent="0">
+              <a:buNone/>
+            </a:pPr>
+            <a:endParaRPr lang="en-US" dirty="0"/>
+          </a:p>
+          <a:p>
+            <a:pPr marL="457200" lvl="1" indent="0">
+              <a:buNone/>
+            </a:pPr>
+            <a:r>
+              <a:rPr lang="en-US" dirty="0">
+                <a:solidFill>
+                  <a:srgbClr val="FF0000"/>
+                </a:solidFill>
+              </a:rPr>
+              <a:t>#Method-3</a:t>
+            </a:r>
+          </a:p>
+          <a:p>
+            <a:pPr marL="457200" lvl="1" indent="0">
+              <a:buNone/>
+            </a:pPr>
+            <a:r>
+              <a:rPr lang="en-US" dirty="0"/>
+              <a:t>n1=</a:t>
+            </a:r>
+            <a:r>
+              <a:rPr lang="en-US" dirty="0" err="1"/>
+              <a:t>f"this</a:t>
+            </a:r>
+            <a:r>
+              <a:rPr lang="en-US" dirty="0"/>
+              <a:t> is {me} {n} {4*56}"</a:t>
+            </a:r>
+          </a:p>
+          <a:p>
+            <a:pPr marL="457200" lvl="1" indent="0">
+              <a:buNone/>
+            </a:pPr>
+            <a:r>
+              <a:rPr lang="en-US" dirty="0"/>
+              <a:t>print(n1)</a:t>
+            </a:r>
+            <a:endParaRPr lang="en-IN" dirty="0"/>
+          </a:p>
+        </p:txBody>
+      </p:sp>
+    </p:spTree>
+    <p:extLst>
+      <p:ext uri="{BB962C8B-B14F-4D97-AF65-F5344CB8AC3E}">
+        <p14:creationId xmlns:p14="http://schemas.microsoft.com/office/powerpoint/2010/main" val="2156570631"/>
+      </p:ext>
+    </p:extLst>
+  </p:cSld>
+  <p:clrMapOvr>
+    <a:masterClrMapping/>
+  </p:clrMapOvr>
+</p:sld>
+</file>
+
+<file path=ppt/slides/slide9.xml><?xml version="1.0" encoding="utf-8"?>
+<p:sld xmlns:a="http://schemas.openxmlformats.org/drawingml/2006/main" xmlns:r="http://schemas.openxmlformats.org/officeDocument/2006/relationships" xmlns:p="http://schemas.openxmlformats.org/presentationml/2006/main">
+  <p:cSld>
+    <p:spTree>
+      <p:nvGrpSpPr>
+        <p:cNvPr id="1" name=""/>
+        <p:cNvGrpSpPr/>
+        <p:nvPr/>
+      </p:nvGrpSpPr>
+      <p:grpSpPr>
+        <a:xfrm>
+          <a:off x="0" y="0"/>
+          <a:ext cx="0" cy="0"/>
+          <a:chOff x="0" y="0"/>
+          <a:chExt cx="0" cy="0"/>
+        </a:xfrm>
+      </p:grpSpPr>
+      <p:sp>
+        <p:nvSpPr>
+          <p:cNvPr id="2" name="Title 1">
+            <a:extLst>
+              <a:ext uri="{FF2B5EF4-FFF2-40B4-BE49-F238E27FC236}">
+                <a16:creationId xmlns:a16="http://schemas.microsoft.com/office/drawing/2014/main" id="{6BB73065-3051-44BF-8AF7-1352F7BC3130}"/>
+              </a:ext>
+            </a:extLst>
+          </p:cNvPr>
+          <p:cNvSpPr>
+            <a:spLocks noGrp="1"/>
+          </p:cNvSpPr>
+          <p:nvPr>
+            <p:ph type="title"/>
+          </p:nvPr>
+        </p:nvSpPr>
+        <p:spPr>
+          <a:xfrm>
+            <a:off x="722790" y="746865"/>
+            <a:ext cx="10515600" cy="1325563"/>
+          </a:xfrm>
+        </p:spPr>
+        <p:txBody>
+          <a:bodyPr>
+            <a:normAutofit fontScale="90000"/>
+          </a:bodyPr>
+          <a:lstStyle/>
+          <a:p>
+            <a:r>
+              <a:rPr lang="en-US" b="0" i="0" dirty="0">
+                <a:solidFill>
+                  <a:srgbClr val="202124"/>
+                </a:solidFill>
+                <a:effectLst/>
+                <a:latin typeface="Google Sans"/>
+              </a:rPr>
+              <a:t>Finding the most common elements in an iterable</a:t>
+            </a:r>
+            <a:br>
+              <a:rPr lang="en-US" b="0" i="0" dirty="0">
+                <a:solidFill>
+                  <a:srgbClr val="202124"/>
+                </a:solidFill>
+                <a:effectLst/>
+                <a:latin typeface="Google Sans"/>
+              </a:rPr>
+            </a:br>
+            <a:br>
+              <a:rPr lang="en-US" b="0" i="0" dirty="0">
+                <a:solidFill>
+                  <a:srgbClr val="222222"/>
+                </a:solidFill>
+                <a:effectLst/>
+                <a:latin typeface="Roboto" panose="02000000000000000000" pitchFamily="2" charset="0"/>
+              </a:rPr>
+            </a:br>
+            <a:endParaRPr lang="en-IN" dirty="0"/>
+          </a:p>
+        </p:txBody>
+      </p:sp>
+      <p:sp>
+        <p:nvSpPr>
+          <p:cNvPr id="4" name="Rectangle 1">
+            <a:extLst>
+              <a:ext uri="{FF2B5EF4-FFF2-40B4-BE49-F238E27FC236}">
+                <a16:creationId xmlns:a16="http://schemas.microsoft.com/office/drawing/2014/main" id="{D178FC6C-912A-4152-B7FE-0B0255F0E2E4}"/>
+              </a:ext>
+            </a:extLst>
+          </p:cNvPr>
+          <p:cNvSpPr>
+            <a:spLocks noChangeArrowheads="1"/>
+          </p:cNvSpPr>
+          <p:nvPr/>
+        </p:nvSpPr>
+        <p:spPr bwMode="auto">
+          <a:xfrm>
+            <a:off x="1157797" y="1829247"/>
+            <a:ext cx="9628572" cy="2215991"/>
+          </a:xfrm>
+          <a:prstGeom prst="rect">
+            <a:avLst/>
+          </a:prstGeom>
+          <a:noFill/>
+          <a:ln>
+            <a:noFill/>
+          </a:ln>
+          <a:effectLst/>
+          <a:extLst>
+            <a:ext uri="{909E8E84-426E-40DD-AFC4-6F175D3DCCD1}">
+              <a14:hiddenFill xmlns:a14="http://schemas.microsoft.com/office/drawing/2010/main">
+                <a:solidFill>
+                  <a:schemeClr val="accent1"/>
+                </a:solidFill>
+              </a14:hiddenFill>
+            </a:ext>
+            <a:ext uri="{91240B29-F687-4F45-9708-019B960494DF}">
+              <a14:hiddenLine xmlns:a14="http://schemas.microsoft.com/office/drawing/2010/main" w="9525">
+                <a:solidFill>
+                  <a:schemeClr val="tx1"/>
+                </a:solidFill>
+                <a:miter lim="800000"/>
+                <a:headEnd/>
+                <a:tailEnd/>
+              </a14:hiddenLine>
+            </a:ext>
+            <a:ext uri="{AF507438-7753-43E0-B8FC-AC1667EBCBE1}">
+              <a14:hiddenEffects xmlns:a14="http://schemas.microsoft.com/office/drawing/2010/main">
+                <a:effectLst>
+                  <a:outerShdw dist="35921" dir="2700000" algn="ctr" rotWithShape="0">
+                    <a:schemeClr val="bg2"/>
+                  </a:outerShdw>
+                </a:effectLst>
+              </a14:hiddenEffects>
+            </a:ext>
+          </a:extLst>
+        </p:spPr>
+        <p:txBody>
+          <a:bodyPr vert="horz" wrap="square" lIns="0" tIns="0" rIns="0" bIns="0" numCol="1" anchor="ctr" anchorCtr="0" compatLnSpc="1">
+            <a:prstTxWarp prst="textNoShape">
+              <a:avLst/>
+            </a:prstTxWarp>
+            <a:spAutoFit/>
+          </a:bodyPr>
+          <a:lstStyle/>
+          <a:p>
+            <a:pPr marL="0" marR="0" lvl="0" indent="0" algn="l" defTabSz="914400" rtl="0" eaLnBrk="0" fontAlgn="base" latinLnBrk="0" hangingPunct="0">
+              <a:lnSpc>
+                <a:spcPct val="100000"/>
+              </a:lnSpc>
+              <a:spcBef>
+                <a:spcPct val="0"/>
+              </a:spcBef>
+              <a:spcAft>
+                <a:spcPct val="0"/>
+              </a:spcAft>
+              <a:buClrTx/>
+              <a:buSzTx/>
+              <a:buFontTx/>
+              <a:buNone/>
+              <a:tabLst/>
+            </a:pPr>
+            <a:r>
+              <a:rPr kumimoji="0" lang="en-US" altLang="en-US" b="0" i="0" u="none" strike="noStrike" cap="none" normalizeH="0" baseline="0" dirty="0">
+                <a:ln>
+                  <a:noFill/>
+                </a:ln>
+                <a:solidFill>
+                  <a:srgbClr val="888888"/>
+                </a:solidFill>
+                <a:effectLst/>
+                <a:latin typeface="Courier New" panose="02070309020205020404" pitchFamily="49" charset="0"/>
+              </a:rPr>
+              <a:t># </a:t>
+            </a:r>
+            <a:r>
+              <a:rPr kumimoji="0" lang="en-US" altLang="en-US" b="0" i="0" u="none" strike="noStrike" cap="none" normalizeH="0" baseline="0" dirty="0" err="1">
+                <a:ln>
+                  <a:noFill/>
+                </a:ln>
+                <a:solidFill>
+                  <a:srgbClr val="888888"/>
+                </a:solidFill>
+                <a:effectLst/>
+                <a:latin typeface="Courier New" panose="02070309020205020404" pitchFamily="49" charset="0"/>
+              </a:rPr>
+              <a:t>collections.Counter</a:t>
+            </a:r>
+            <a:r>
+              <a:rPr kumimoji="0" lang="en-US" altLang="en-US" b="0" i="0" u="none" strike="noStrike" cap="none" normalizeH="0" baseline="0" dirty="0">
+                <a:ln>
+                  <a:noFill/>
+                </a:ln>
+                <a:solidFill>
+                  <a:srgbClr val="888888"/>
+                </a:solidFill>
+                <a:effectLst/>
+                <a:latin typeface="Courier New" panose="02070309020205020404" pitchFamily="49" charset="0"/>
+              </a:rPr>
+              <a:t> lets you find the most common</a:t>
+            </a:r>
+            <a:r>
+              <a:rPr kumimoji="0" lang="en-US" altLang="en-US" b="0" i="0" u="none" strike="noStrike" cap="none" normalizeH="0" baseline="0" dirty="0">
+                <a:ln>
+                  <a:noFill/>
+                </a:ln>
+                <a:solidFill>
+                  <a:srgbClr val="222222"/>
+                </a:solidFill>
+                <a:effectLst/>
+                <a:latin typeface="Courier New" panose="02070309020205020404" pitchFamily="49" charset="0"/>
+              </a:rPr>
+              <a:t> </a:t>
+            </a:r>
+          </a:p>
+          <a:p>
+            <a:pPr marL="0" marR="0" lvl="0" indent="0" algn="l" defTabSz="914400" rtl="0" eaLnBrk="0" fontAlgn="base" latinLnBrk="0" hangingPunct="0">
+              <a:lnSpc>
+                <a:spcPct val="100000"/>
+              </a:lnSpc>
+              <a:spcBef>
+                <a:spcPct val="0"/>
+              </a:spcBef>
+              <a:spcAft>
+                <a:spcPct val="0"/>
+              </a:spcAft>
+              <a:buClrTx/>
+              <a:buSzTx/>
+              <a:buFontTx/>
+              <a:buNone/>
+              <a:tabLst/>
+            </a:pPr>
+            <a:r>
+              <a:rPr kumimoji="0" lang="en-US" altLang="en-US" b="0" i="0" u="none" strike="noStrike" cap="none" normalizeH="0" baseline="0" dirty="0">
+                <a:ln>
+                  <a:noFill/>
+                </a:ln>
+                <a:solidFill>
+                  <a:srgbClr val="888888"/>
+                </a:solidFill>
+                <a:effectLst/>
+                <a:latin typeface="Courier New" panose="02070309020205020404" pitchFamily="49" charset="0"/>
+              </a:rPr>
+              <a:t># elements in an iterable:</a:t>
+            </a:r>
+            <a:r>
+              <a:rPr kumimoji="0" lang="en-US" altLang="en-US" b="0" i="0" u="none" strike="noStrike" cap="none" normalizeH="0" baseline="0" dirty="0">
+                <a:ln>
+                  <a:noFill/>
+                </a:ln>
+                <a:solidFill>
+                  <a:srgbClr val="222222"/>
+                </a:solidFill>
+                <a:effectLst/>
+                <a:latin typeface="Courier New" panose="02070309020205020404" pitchFamily="49" charset="0"/>
+              </a:rPr>
+              <a:t> </a:t>
+            </a:r>
+          </a:p>
+          <a:p>
+            <a:pPr marL="0" marR="0" lvl="0" indent="0" algn="l" defTabSz="914400" rtl="0" eaLnBrk="0" fontAlgn="base" latinLnBrk="0" hangingPunct="0">
+              <a:lnSpc>
+                <a:spcPct val="100000"/>
+              </a:lnSpc>
+              <a:spcBef>
+                <a:spcPct val="0"/>
+              </a:spcBef>
+              <a:spcAft>
+                <a:spcPct val="0"/>
+              </a:spcAft>
+              <a:buClrTx/>
+              <a:buSzTx/>
+              <a:buFontTx/>
+              <a:buNone/>
+              <a:tabLst/>
+            </a:pPr>
+            <a:r>
+              <a:rPr kumimoji="0" lang="en-US" altLang="en-US" b="1" i="0" u="none" strike="noStrike" cap="none" normalizeH="0" baseline="0" dirty="0">
+                <a:ln>
+                  <a:noFill/>
+                </a:ln>
+                <a:solidFill>
+                  <a:srgbClr val="C65D09"/>
+                </a:solidFill>
+                <a:effectLst/>
+                <a:latin typeface="Courier New" panose="02070309020205020404" pitchFamily="49" charset="0"/>
+              </a:rPr>
+              <a:t>&gt;&gt;&gt; </a:t>
+            </a:r>
+            <a:r>
+              <a:rPr kumimoji="0" lang="en-US" altLang="en-US" b="1" i="0" u="none" strike="noStrike" cap="none" normalizeH="0" baseline="0" dirty="0">
+                <a:ln>
+                  <a:noFill/>
+                </a:ln>
+                <a:solidFill>
+                  <a:srgbClr val="008800"/>
+                </a:solidFill>
+                <a:effectLst/>
+                <a:latin typeface="Courier New" panose="02070309020205020404" pitchFamily="49" charset="0"/>
+              </a:rPr>
+              <a:t>import</a:t>
+            </a:r>
+            <a:r>
+              <a:rPr kumimoji="0" lang="en-US" altLang="en-US" b="0" i="0" u="none" strike="noStrike" cap="none" normalizeH="0" baseline="0" dirty="0">
+                <a:ln>
+                  <a:noFill/>
+                </a:ln>
+                <a:solidFill>
+                  <a:srgbClr val="222222"/>
+                </a:solidFill>
+                <a:effectLst/>
+                <a:latin typeface="Courier New" panose="02070309020205020404" pitchFamily="49" charset="0"/>
+              </a:rPr>
+              <a:t> </a:t>
+            </a:r>
+            <a:r>
+              <a:rPr kumimoji="0" lang="en-US" altLang="en-US" b="1" i="0" u="none" strike="noStrike" cap="none" normalizeH="0" baseline="0" dirty="0">
+                <a:ln>
+                  <a:noFill/>
+                </a:ln>
+                <a:solidFill>
+                  <a:srgbClr val="0E84B5"/>
+                </a:solidFill>
+                <a:effectLst/>
+                <a:latin typeface="Courier New" panose="02070309020205020404" pitchFamily="49" charset="0"/>
+              </a:rPr>
+              <a:t>collections</a:t>
+            </a:r>
+            <a:r>
+              <a:rPr kumimoji="0" lang="en-US" altLang="en-US" b="0" i="0" u="none" strike="noStrike" cap="none" normalizeH="0" baseline="0" dirty="0">
+                <a:ln>
+                  <a:noFill/>
+                </a:ln>
+                <a:solidFill>
+                  <a:srgbClr val="222222"/>
+                </a:solidFill>
+                <a:effectLst/>
+                <a:latin typeface="Courier New" panose="02070309020205020404" pitchFamily="49" charset="0"/>
+              </a:rPr>
+              <a:t> </a:t>
+            </a:r>
+          </a:p>
+          <a:p>
+            <a:pPr marL="0" marR="0" lvl="0" indent="0" algn="l" defTabSz="914400" rtl="0" eaLnBrk="0" fontAlgn="base" latinLnBrk="0" hangingPunct="0">
+              <a:lnSpc>
+                <a:spcPct val="100000"/>
+              </a:lnSpc>
+              <a:spcBef>
+                <a:spcPct val="0"/>
+              </a:spcBef>
+              <a:spcAft>
+                <a:spcPct val="0"/>
+              </a:spcAft>
+              <a:buClrTx/>
+              <a:buSzTx/>
+              <a:buFontTx/>
+              <a:buNone/>
+              <a:tabLst/>
+            </a:pPr>
+            <a:r>
+              <a:rPr kumimoji="0" lang="en-US" altLang="en-US" b="1" i="0" u="none" strike="noStrike" cap="none" normalizeH="0" baseline="0" dirty="0">
+                <a:ln>
+                  <a:noFill/>
+                </a:ln>
+                <a:solidFill>
+                  <a:srgbClr val="C65D09"/>
+                </a:solidFill>
+                <a:effectLst/>
+                <a:latin typeface="Courier New" panose="02070309020205020404" pitchFamily="49" charset="0"/>
+              </a:rPr>
+              <a:t>&gt;&gt;&gt; </a:t>
+            </a:r>
+            <a:r>
+              <a:rPr kumimoji="0" lang="en-US" altLang="en-US" b="0" i="0" u="none" strike="noStrike" cap="none" normalizeH="0" baseline="0" dirty="0">
+                <a:ln>
+                  <a:noFill/>
+                </a:ln>
+                <a:solidFill>
+                  <a:srgbClr val="222222"/>
+                </a:solidFill>
+                <a:effectLst/>
+                <a:latin typeface="Courier New" panose="02070309020205020404" pitchFamily="49" charset="0"/>
+              </a:rPr>
+              <a:t>c </a:t>
+            </a:r>
+            <a:r>
+              <a:rPr kumimoji="0" lang="en-US" altLang="en-US" b="0" i="0" u="none" strike="noStrike" cap="none" normalizeH="0" baseline="0" dirty="0">
+                <a:ln>
+                  <a:noFill/>
+                </a:ln>
+                <a:solidFill>
+                  <a:srgbClr val="333333"/>
+                </a:solidFill>
+                <a:effectLst/>
+                <a:latin typeface="Courier New" panose="02070309020205020404" pitchFamily="49" charset="0"/>
+              </a:rPr>
+              <a:t>=</a:t>
+            </a:r>
+            <a:r>
+              <a:rPr kumimoji="0" lang="en-US" altLang="en-US" b="0" i="0" u="none" strike="noStrike" cap="none" normalizeH="0" baseline="0" dirty="0">
+                <a:ln>
+                  <a:noFill/>
+                </a:ln>
+                <a:solidFill>
+                  <a:srgbClr val="222222"/>
+                </a:solidFill>
+                <a:effectLst/>
+                <a:latin typeface="Courier New" panose="02070309020205020404" pitchFamily="49" charset="0"/>
+              </a:rPr>
+              <a:t> </a:t>
+            </a:r>
+            <a:r>
+              <a:rPr kumimoji="0" lang="en-US" altLang="en-US" b="0" i="0" u="none" strike="noStrike" cap="none" normalizeH="0" baseline="0" dirty="0" err="1">
+                <a:ln>
+                  <a:noFill/>
+                </a:ln>
+                <a:solidFill>
+                  <a:srgbClr val="222222"/>
+                </a:solidFill>
+                <a:effectLst/>
+                <a:latin typeface="Courier New" panose="02070309020205020404" pitchFamily="49" charset="0"/>
+              </a:rPr>
+              <a:t>collections</a:t>
+            </a:r>
+            <a:r>
+              <a:rPr kumimoji="0" lang="en-US" altLang="en-US" b="0" i="0" u="none" strike="noStrike" cap="none" normalizeH="0" baseline="0" dirty="0" err="1">
+                <a:ln>
+                  <a:noFill/>
+                </a:ln>
+                <a:solidFill>
+                  <a:srgbClr val="333333"/>
+                </a:solidFill>
+                <a:effectLst/>
+                <a:latin typeface="Courier New" panose="02070309020205020404" pitchFamily="49" charset="0"/>
+              </a:rPr>
+              <a:t>.</a:t>
+            </a:r>
+            <a:r>
+              <a:rPr kumimoji="0" lang="en-US" altLang="en-US" b="0" i="0" u="none" strike="noStrike" cap="none" normalizeH="0" baseline="0" dirty="0" err="1">
+                <a:ln>
+                  <a:noFill/>
+                </a:ln>
+                <a:solidFill>
+                  <a:srgbClr val="222222"/>
+                </a:solidFill>
+                <a:effectLst/>
+                <a:latin typeface="Courier New" panose="02070309020205020404" pitchFamily="49" charset="0"/>
+              </a:rPr>
+              <a:t>Counter</a:t>
+            </a:r>
+            <a:r>
+              <a:rPr kumimoji="0" lang="en-US" altLang="en-US" b="0" i="0" u="none" strike="noStrike" cap="none" normalizeH="0" baseline="0" dirty="0">
+                <a:ln>
+                  <a:noFill/>
+                </a:ln>
+                <a:solidFill>
+                  <a:srgbClr val="222222"/>
+                </a:solidFill>
+                <a:effectLst/>
+                <a:latin typeface="Courier New" panose="02070309020205020404" pitchFamily="49" charset="0"/>
+              </a:rPr>
+              <a:t>('</a:t>
+            </a:r>
+            <a:r>
+              <a:rPr kumimoji="0" lang="en-US" altLang="en-US" b="0" i="0" u="none" strike="noStrike" cap="none" normalizeH="0" baseline="0" dirty="0" err="1">
+                <a:ln>
+                  <a:noFill/>
+                </a:ln>
+                <a:solidFill>
+                  <a:srgbClr val="222222"/>
+                </a:solidFill>
+                <a:effectLst/>
+                <a:latin typeface="Courier New" panose="02070309020205020404" pitchFamily="49" charset="0"/>
+              </a:rPr>
+              <a:t>helloworld</a:t>
+            </a:r>
+            <a:r>
+              <a:rPr kumimoji="0" lang="en-US" altLang="en-US" b="0" i="0" u="none" strike="noStrike" cap="none" normalizeH="0" baseline="0" dirty="0">
+                <a:ln>
+                  <a:noFill/>
+                </a:ln>
+                <a:solidFill>
+                  <a:srgbClr val="222222"/>
+                </a:solidFill>
+                <a:effectLst/>
+                <a:latin typeface="Courier New" panose="02070309020205020404" pitchFamily="49" charset="0"/>
+              </a:rPr>
+              <a:t>’) </a:t>
+            </a:r>
+          </a:p>
+          <a:p>
+            <a:pPr marL="0" marR="0" lvl="0" indent="0" algn="l" defTabSz="914400" rtl="0" eaLnBrk="0" fontAlgn="base" latinLnBrk="0" hangingPunct="0">
+              <a:lnSpc>
+                <a:spcPct val="100000"/>
+              </a:lnSpc>
+              <a:spcBef>
+                <a:spcPct val="0"/>
+              </a:spcBef>
+              <a:spcAft>
+                <a:spcPct val="0"/>
+              </a:spcAft>
+              <a:buClrTx/>
+              <a:buSzTx/>
+              <a:buFontTx/>
+              <a:buNone/>
+              <a:tabLst/>
+            </a:pPr>
+            <a:r>
+              <a:rPr kumimoji="0" lang="en-US" altLang="en-US" b="1" i="0" u="none" strike="noStrike" cap="none" normalizeH="0" baseline="0" dirty="0">
+                <a:ln>
+                  <a:noFill/>
+                </a:ln>
+                <a:solidFill>
+                  <a:srgbClr val="C65D09"/>
+                </a:solidFill>
+                <a:effectLst/>
+                <a:latin typeface="Courier New" panose="02070309020205020404" pitchFamily="49" charset="0"/>
+              </a:rPr>
+              <a:t>&gt;&gt;&gt; </a:t>
+            </a:r>
+            <a:r>
+              <a:rPr kumimoji="0" lang="en-US" altLang="en-US" b="0" i="0" u="none" strike="noStrike" cap="none" normalizeH="0" baseline="0" dirty="0">
+                <a:ln>
+                  <a:noFill/>
+                </a:ln>
+                <a:solidFill>
+                  <a:srgbClr val="222222"/>
+                </a:solidFill>
+                <a:effectLst/>
+                <a:latin typeface="Courier New" panose="02070309020205020404" pitchFamily="49" charset="0"/>
+              </a:rPr>
+              <a:t>c </a:t>
+            </a:r>
+          </a:p>
+          <a:p>
+            <a:pPr marL="0" marR="0" lvl="0" indent="0" algn="l" defTabSz="914400" rtl="0" eaLnBrk="0" fontAlgn="base" latinLnBrk="0" hangingPunct="0">
+              <a:lnSpc>
+                <a:spcPct val="100000"/>
+              </a:lnSpc>
+              <a:spcBef>
+                <a:spcPct val="0"/>
+              </a:spcBef>
+              <a:spcAft>
+                <a:spcPct val="0"/>
+              </a:spcAft>
+              <a:buClrTx/>
+              <a:buSzTx/>
+              <a:buFontTx/>
+              <a:buNone/>
+              <a:tabLst/>
+            </a:pPr>
+            <a:r>
+              <a:rPr kumimoji="0" lang="en-US" altLang="en-US" b="0" i="0" u="none" strike="noStrike" cap="none" normalizeH="0" baseline="0" dirty="0">
+                <a:ln>
+                  <a:noFill/>
+                </a:ln>
+                <a:solidFill>
+                  <a:srgbClr val="888888"/>
+                </a:solidFill>
+                <a:effectLst/>
+                <a:latin typeface="Courier New" panose="02070309020205020404" pitchFamily="49" charset="0"/>
+              </a:rPr>
+              <a:t>Counter({'l': 3, 'o': 2, 'e': 1, 'd': 1, 'h': 1, 'r': 1, 'w': 1})</a:t>
+            </a:r>
+            <a:r>
+              <a:rPr kumimoji="0" lang="en-US" altLang="en-US" b="0" i="0" u="none" strike="noStrike" cap="none" normalizeH="0" baseline="0" dirty="0">
+                <a:ln>
+                  <a:noFill/>
+                </a:ln>
+                <a:solidFill>
+                  <a:srgbClr val="222222"/>
+                </a:solidFill>
+                <a:effectLst/>
+                <a:latin typeface="Courier New" panose="02070309020205020404" pitchFamily="49" charset="0"/>
+              </a:rPr>
+              <a:t> </a:t>
+            </a:r>
+          </a:p>
+          <a:p>
+            <a:pPr marL="0" marR="0" lvl="0" indent="0" algn="l" defTabSz="914400" rtl="0" eaLnBrk="0" fontAlgn="base" latinLnBrk="0" hangingPunct="0">
+              <a:lnSpc>
+                <a:spcPct val="100000"/>
+              </a:lnSpc>
+              <a:spcBef>
+                <a:spcPct val="0"/>
+              </a:spcBef>
+              <a:spcAft>
+                <a:spcPct val="0"/>
+              </a:spcAft>
+              <a:buClrTx/>
+              <a:buSzTx/>
+              <a:buFontTx/>
+              <a:buNone/>
+              <a:tabLst/>
+            </a:pPr>
+            <a:r>
+              <a:rPr kumimoji="0" lang="en-US" altLang="en-US" b="1" i="0" u="none" strike="noStrike" cap="none" normalizeH="0" baseline="0" dirty="0">
+                <a:ln>
+                  <a:noFill/>
+                </a:ln>
+                <a:solidFill>
+                  <a:srgbClr val="C65D09"/>
+                </a:solidFill>
+                <a:effectLst/>
+                <a:latin typeface="Courier New" panose="02070309020205020404" pitchFamily="49" charset="0"/>
+              </a:rPr>
+              <a:t>&gt;&gt;&gt; </a:t>
+            </a:r>
+            <a:r>
+              <a:rPr kumimoji="0" lang="en-US" altLang="en-US" b="0" i="0" u="none" strike="noStrike" cap="none" normalizeH="0" baseline="0" dirty="0" err="1">
+                <a:ln>
+                  <a:noFill/>
+                </a:ln>
+                <a:solidFill>
+                  <a:srgbClr val="222222"/>
+                </a:solidFill>
+                <a:effectLst/>
+                <a:latin typeface="Courier New" panose="02070309020205020404" pitchFamily="49" charset="0"/>
+              </a:rPr>
+              <a:t>c</a:t>
+            </a:r>
+            <a:r>
+              <a:rPr kumimoji="0" lang="en-US" altLang="en-US" b="0" i="0" u="none" strike="noStrike" cap="none" normalizeH="0" baseline="0" dirty="0" err="1">
+                <a:ln>
+                  <a:noFill/>
+                </a:ln>
+                <a:solidFill>
+                  <a:srgbClr val="333333"/>
+                </a:solidFill>
+                <a:effectLst/>
+                <a:latin typeface="Courier New" panose="02070309020205020404" pitchFamily="49" charset="0"/>
+              </a:rPr>
+              <a:t>.</a:t>
+            </a:r>
+            <a:r>
+              <a:rPr kumimoji="0" lang="en-US" altLang="en-US" b="0" i="0" u="none" strike="noStrike" cap="none" normalizeH="0" baseline="0" dirty="0" err="1">
+                <a:ln>
+                  <a:noFill/>
+                </a:ln>
+                <a:solidFill>
+                  <a:srgbClr val="222222"/>
+                </a:solidFill>
+                <a:effectLst/>
+                <a:latin typeface="Courier New" panose="02070309020205020404" pitchFamily="49" charset="0"/>
+              </a:rPr>
+              <a:t>most_common</a:t>
+            </a:r>
+            <a:r>
+              <a:rPr kumimoji="0" lang="en-US" altLang="en-US" b="0" i="0" u="none" strike="noStrike" cap="none" normalizeH="0" baseline="0" dirty="0">
+                <a:ln>
+                  <a:noFill/>
+                </a:ln>
+                <a:solidFill>
+                  <a:srgbClr val="222222"/>
+                </a:solidFill>
+                <a:effectLst/>
+                <a:latin typeface="Courier New" panose="02070309020205020404" pitchFamily="49" charset="0"/>
+              </a:rPr>
+              <a:t>(</a:t>
+            </a:r>
+            <a:r>
+              <a:rPr kumimoji="0" lang="en-US" altLang="en-US" b="1" i="0" u="none" strike="noStrike" cap="none" normalizeH="0" baseline="0" dirty="0">
+                <a:ln>
+                  <a:noFill/>
+                </a:ln>
+                <a:solidFill>
+                  <a:srgbClr val="0000DD"/>
+                </a:solidFill>
+                <a:effectLst/>
+                <a:latin typeface="Courier New" panose="02070309020205020404" pitchFamily="49" charset="0"/>
+              </a:rPr>
+              <a:t>3</a:t>
+            </a:r>
+            <a:r>
+              <a:rPr kumimoji="0" lang="en-US" altLang="en-US" b="0" i="0" u="none" strike="noStrike" cap="none" normalizeH="0" baseline="0" dirty="0">
+                <a:ln>
+                  <a:noFill/>
+                </a:ln>
+                <a:solidFill>
+                  <a:srgbClr val="222222"/>
+                </a:solidFill>
+                <a:effectLst/>
+                <a:latin typeface="Courier New" panose="02070309020205020404" pitchFamily="49" charset="0"/>
+              </a:rPr>
+              <a:t>) </a:t>
+            </a:r>
+          </a:p>
+          <a:p>
+            <a:pPr marL="0" marR="0" lvl="0" indent="0" algn="l" defTabSz="914400" rtl="0" eaLnBrk="0" fontAlgn="base" latinLnBrk="0" hangingPunct="0">
+              <a:lnSpc>
+                <a:spcPct val="100000"/>
+              </a:lnSpc>
+              <a:spcBef>
+                <a:spcPct val="0"/>
+              </a:spcBef>
+              <a:spcAft>
+                <a:spcPct val="0"/>
+              </a:spcAft>
+              <a:buClrTx/>
+              <a:buSzTx/>
+              <a:buFontTx/>
+              <a:buNone/>
+              <a:tabLst/>
+            </a:pPr>
+            <a:r>
+              <a:rPr kumimoji="0" lang="en-US" altLang="en-US" b="0" i="0" u="none" strike="noStrike" cap="none" normalizeH="0" baseline="0" dirty="0">
+                <a:ln>
+                  <a:noFill/>
+                </a:ln>
+                <a:solidFill>
+                  <a:srgbClr val="888888"/>
+                </a:solidFill>
+                <a:effectLst/>
+                <a:latin typeface="Courier New" panose="02070309020205020404" pitchFamily="49" charset="0"/>
+              </a:rPr>
+              <a:t>[('l', 3), ('o', 2), ('e', 1)]</a:t>
+            </a:r>
+            <a:r>
+              <a:rPr kumimoji="0" lang="en-US" altLang="en-US" b="0" i="0" u="none" strike="noStrike" cap="none" normalizeH="0" baseline="0" dirty="0">
+                <a:ln>
+                  <a:noFill/>
+                </a:ln>
+                <a:solidFill>
+                  <a:schemeClr val="tx1"/>
+                </a:solidFill>
+                <a:effectLst/>
+              </a:rPr>
+              <a:t> </a:t>
+            </a:r>
+            <a:endParaRPr kumimoji="0" lang="en-US" altLang="en-US" b="0" i="0" u="none" strike="noStrike" cap="none" normalizeH="0" baseline="0" dirty="0">
+              <a:ln>
+                <a:noFill/>
+              </a:ln>
+              <a:solidFill>
+                <a:schemeClr val="tx1"/>
+              </a:solidFill>
+              <a:effectLst/>
+              <a:latin typeface="Arial" panose="020B0604020202020204" pitchFamily="34" charset="0"/>
+            </a:endParaRPr>
+          </a:p>
+        </p:txBody>
+      </p:sp>
+    </p:spTree>
+    <p:extLst>
+      <p:ext uri="{BB962C8B-B14F-4D97-AF65-F5344CB8AC3E}">
+        <p14:creationId xmlns:p14="http://schemas.microsoft.com/office/powerpoint/2010/main" val="1319555344"/>
       </p:ext>
     </p:extLst>
   </p:cSld>
